--- a/43824cb6-e526-483f-a904-c6d1296fc463.pptx
+++ b/43824cb6-e526-483f-a904-c6d1296fc463.pptx
@@ -20,6 +20,7 @@
     <p:sldId id="265" r:id="rId13"/>
     <p:sldId id="266" r:id="rId14"/>
     <p:sldId id="267" r:id="rId15"/>
+    <p:sldId id="268" r:id="rId16"/>
   </p:sldIdLst>
   <p:sldSz cx="12192000" cy="6858000"/>
   <p:notesSz cx="6857895" cy="9143861"/>
@@ -157,7 +158,7 @@
       </p:grpSpPr>
       <p:sp>
         <p:nvSpPr>
-          <p:cNvPr id="13" name="文本框"/>
+          <p:cNvPr id="8" name="文本框"/>
           <p:cNvSpPr>
             <a:spLocks noGrp="1"/>
           </p:cNvSpPr>
@@ -206,7 +207,7 @@
       </p:sp>
       <p:sp>
         <p:nvSpPr>
-          <p:cNvPr id="8" name="文本框"/>
+          <p:cNvPr id="9" name="文本框"/>
           <p:cNvSpPr>
             <a:spLocks noGrp="1"/>
           </p:cNvSpPr>
@@ -244,7 +245,7 @@
       </p:sp>
       <p:sp>
         <p:nvSpPr>
-          <p:cNvPr id="9" name="文本框"/>
+          <p:cNvPr id="10" name="文本框"/>
           <p:cNvSpPr>
             <a:spLocks noGrp="1"/>
           </p:cNvSpPr>
@@ -278,7 +279,7 @@
                 <a:ea typeface="宋体" pitchFamily="0" charset="0"/>
                 <a:cs typeface="Calibri" pitchFamily="0" charset="0"/>
               </a:rPr>
-              <a:t>8/30/2025</a:t>
+              <a:t>9/1/2025</a:t>
             </a:fld>
             <a:endParaRPr lang="zh-CN" altLang="en-US" sz="1200">
               <a:latin typeface="Calibri" pitchFamily="0" charset="0"/>
@@ -290,7 +291,7 @@
       </p:sp>
       <p:sp>
         <p:nvSpPr>
-          <p:cNvPr id="10" name="对象"/>
+          <p:cNvPr id="11" name="对象"/>
           <p:cNvSpPr>
             <a:spLocks noGrp="1" noChangeAspect="1"/>
           </p:cNvSpPr>
@@ -316,7 +317,7 @@
       </p:sp>
       <p:sp>
         <p:nvSpPr>
-          <p:cNvPr id="11" name="文本框"/>
+          <p:cNvPr id="12" name="文本框"/>
           <p:cNvSpPr>
             <a:spLocks noGrp="1"/>
           </p:cNvSpPr>
@@ -385,7 +386,7 @@
       </p:sp>
       <p:sp>
         <p:nvSpPr>
-          <p:cNvPr id="12" name="文本框"/>
+          <p:cNvPr id="13" name="文本框"/>
           <p:cNvSpPr>
             <a:spLocks noGrp="1"/>
           </p:cNvSpPr>
@@ -424,7 +425,7 @@
     </p:spTree>
     <p:extLst>
       <p:ext uri="{BB962C8B-B14F-4D97-AF65-F5344CB8AC3E}">
-        <p14:creationId xmlns:p14="http://schemas.microsoft.com/office/powerpoint/2010/main" val="1875624198"/>
+        <p14:creationId xmlns:p14="http://schemas.microsoft.com/office/powerpoint/2010/main" val="1701952108"/>
       </p:ext>
     </p:extLst>
   </p:cSld>
@@ -618,6 +619,13 @@
 <file path=ppt/notesSlides/notesSlide1.xml><?xml version="1.0" encoding="utf-8"?>
 <p:notes xmlns:p="http://schemas.openxmlformats.org/presentationml/2006/main" xmlns:r="http://schemas.openxmlformats.org/officeDocument/2006/relationships" xmlns:a="http://schemas.openxmlformats.org/drawingml/2006/main">
   <p:cSld>
+    <p:bg>
+      <p:bgPr>
+        <a:solidFill>
+          <a:schemeClr val="bg1"/>
+        </a:solidFill>
+      </p:bgPr>
+    </p:bg>
     <p:spTree>
       <p:nvGrpSpPr>
         <p:cNvPr id="1" name=""/>
@@ -634,38 +642,7 @@
       </p:grpSpPr>
       <p:sp>
         <p:nvSpPr>
-          <p:cNvPr id="2" name="文本框"/>
-          <p:cNvSpPr>
-            <a:spLocks noGrp="1"/>
-          </p:cNvSpPr>
-          <p:nvPr>
-            <p:ph type="sldImg"/>
-          </p:nvPr>
-        </p:nvSpPr>
-        <p:spPr/>
-      </p:sp>
-      <p:sp>
-        <p:nvSpPr>
-          <p:cNvPr id="3" name="文本框"/>
-          <p:cNvSpPr>
-            <a:spLocks noGrp="1"/>
-          </p:cNvSpPr>
-          <p:nvPr>
-            <p:ph type="body" idx="1"/>
-          </p:nvPr>
-        </p:nvSpPr>
-        <p:spPr/>
-        <p:txBody>
-          <a:bodyPr/>
-          <a:lstStyle/>
-          <a:p>
-            <a:endParaRPr lang="zh-CN" altLang="en-US"/>
-          </a:p>
-        </p:txBody>
-      </p:sp>
-      <p:sp>
-        <p:nvSpPr>
-          <p:cNvPr id="13" name="文本框"/>
+          <p:cNvPr id="8" name="文本框"/>
           <p:cNvSpPr>
             <a:spLocks noGrp="1"/>
           </p:cNvSpPr>
@@ -712,10 +689,67 @@
           </a:p>
         </p:txBody>
       </p:sp>
+      <p:sp>
+        <p:nvSpPr>
+          <p:cNvPr id="19" name="对象"/>
+          <p:cNvSpPr>
+            <a:spLocks noGrp="1"/>
+          </p:cNvSpPr>
+          <p:nvPr>
+            <p:ph type="sldImg"/>
+          </p:nvPr>
+        </p:nvSpPr>
+        <p:spPr>
+          <a:xfrm rot="0">
+            <a:off x="685800" y="1143000"/>
+            <a:ext cx="5486400" cy="3086100"/>
+          </a:xfrm>
+          <a:prstGeom prst="rect"/>
+          <a:noFill/>
+          <a:ln w="12700" cmpd="sng" cap="flat">
+            <a:noFill/>
+            <a:prstDash val="solid"/>
+            <a:miter/>
+          </a:ln>
+        </p:spPr>
+      </p:sp>
+      <p:sp>
+        <p:nvSpPr>
+          <p:cNvPr id="20" name="文本框"/>
+          <p:cNvSpPr>
+            <a:spLocks noGrp="1"/>
+          </p:cNvSpPr>
+          <p:nvPr>
+            <p:ph type="body" idx="1"/>
+          </p:nvPr>
+        </p:nvSpPr>
+        <p:spPr>
+          <a:xfrm rot="0">
+            <a:off x="685800" y="4400550"/>
+            <a:ext cx="5486400" cy="3600450"/>
+          </a:xfrm>
+          <a:prstGeom prst="rect"/>
+          <a:noFill/>
+          <a:ln w="12700" cmpd="sng" cap="flat">
+            <a:noFill/>
+            <a:prstDash val="solid"/>
+            <a:miter/>
+          </a:ln>
+        </p:spPr>
+        <p:txBody>
+          <a:bodyPr vert="horz" wrap="square" lIns="91440" tIns="45720" rIns="91440" bIns="45720" anchor="t" anchorCtr="0">
+            <a:prstTxWarp prst="textNoShape"/>
+          </a:bodyPr>
+          <a:lstStyle/>
+          <a:p>
+            <a:endParaRPr lang="zh-CN" altLang="en-US"/>
+          </a:p>
+        </p:txBody>
+      </p:sp>
     </p:spTree>
     <p:extLst>
       <p:ext uri="{BB962C8B-B14F-4D97-AF65-F5344CB8AC3E}">
-        <p14:creationId xmlns:p14="http://schemas.microsoft.com/office/powerpoint/2010/main" val="2031155986"/>
+        <p14:creationId xmlns:p14="http://schemas.microsoft.com/office/powerpoint/2010/main" val="1569498133"/>
       </p:ext>
     </p:extLst>
   </p:cSld>
@@ -728,6 +762,13 @@
 <file path=ppt/notesSlides/notesSlide10.xml><?xml version="1.0" encoding="utf-8"?>
 <p:notes xmlns:p="http://schemas.openxmlformats.org/presentationml/2006/main" xmlns:r="http://schemas.openxmlformats.org/officeDocument/2006/relationships" xmlns:a="http://schemas.openxmlformats.org/drawingml/2006/main">
   <p:cSld>
+    <p:bg>
+      <p:bgPr>
+        <a:solidFill>
+          <a:schemeClr val="bg1"/>
+        </a:solidFill>
+      </p:bgPr>
+    </p:bg>
     <p:spTree>
       <p:nvGrpSpPr>
         <p:cNvPr id="1" name=""/>
@@ -744,38 +785,7 @@
       </p:grpSpPr>
       <p:sp>
         <p:nvSpPr>
-          <p:cNvPr id="2" name="文本框"/>
-          <p:cNvSpPr>
-            <a:spLocks noGrp="1"/>
-          </p:cNvSpPr>
-          <p:nvPr>
-            <p:ph type="sldImg"/>
-          </p:nvPr>
-        </p:nvSpPr>
-        <p:spPr/>
-      </p:sp>
-      <p:sp>
-        <p:nvSpPr>
-          <p:cNvPr id="3" name="文本框"/>
-          <p:cNvSpPr>
-            <a:spLocks noGrp="1"/>
-          </p:cNvSpPr>
-          <p:nvPr>
-            <p:ph type="body" idx="1"/>
-          </p:nvPr>
-        </p:nvSpPr>
-        <p:spPr/>
-        <p:txBody>
-          <a:bodyPr/>
-          <a:lstStyle/>
-          <a:p>
-            <a:endParaRPr lang="zh-CN" altLang="en-US"/>
-          </a:p>
-        </p:txBody>
-      </p:sp>
-      <p:sp>
-        <p:nvSpPr>
-          <p:cNvPr id="13" name="文本框"/>
+          <p:cNvPr id="8" name="文本框"/>
           <p:cNvSpPr>
             <a:spLocks noGrp="1"/>
           </p:cNvSpPr>
@@ -822,10 +832,67 @@
           </a:p>
         </p:txBody>
       </p:sp>
+      <p:sp>
+        <p:nvSpPr>
+          <p:cNvPr id="46" name="对象"/>
+          <p:cNvSpPr>
+            <a:spLocks noGrp="1"/>
+          </p:cNvSpPr>
+          <p:nvPr>
+            <p:ph type="sldImg"/>
+          </p:nvPr>
+        </p:nvSpPr>
+        <p:spPr>
+          <a:xfrm rot="0">
+            <a:off x="685800" y="1143000"/>
+            <a:ext cx="5486400" cy="3086100"/>
+          </a:xfrm>
+          <a:prstGeom prst="rect"/>
+          <a:noFill/>
+          <a:ln w="12700" cmpd="sng" cap="flat">
+            <a:noFill/>
+            <a:prstDash val="solid"/>
+            <a:miter/>
+          </a:ln>
+        </p:spPr>
+      </p:sp>
+      <p:sp>
+        <p:nvSpPr>
+          <p:cNvPr id="47" name="文本框"/>
+          <p:cNvSpPr>
+            <a:spLocks noGrp="1"/>
+          </p:cNvSpPr>
+          <p:nvPr>
+            <p:ph type="body" idx="1"/>
+          </p:nvPr>
+        </p:nvSpPr>
+        <p:spPr>
+          <a:xfrm rot="0">
+            <a:off x="685800" y="4400550"/>
+            <a:ext cx="5486400" cy="3600450"/>
+          </a:xfrm>
+          <a:prstGeom prst="rect"/>
+          <a:noFill/>
+          <a:ln w="12700" cmpd="sng" cap="flat">
+            <a:noFill/>
+            <a:prstDash val="solid"/>
+            <a:miter/>
+          </a:ln>
+        </p:spPr>
+        <p:txBody>
+          <a:bodyPr vert="horz" wrap="square" lIns="91440" tIns="45720" rIns="91440" bIns="45720" anchor="t" anchorCtr="0">
+            <a:prstTxWarp prst="textNoShape"/>
+          </a:bodyPr>
+          <a:lstStyle/>
+          <a:p>
+            <a:endParaRPr lang="zh-CN" altLang="en-US"/>
+          </a:p>
+        </p:txBody>
+      </p:sp>
     </p:spTree>
     <p:extLst>
       <p:ext uri="{BB962C8B-B14F-4D97-AF65-F5344CB8AC3E}">
-        <p14:creationId xmlns:p14="http://schemas.microsoft.com/office/powerpoint/2010/main" val="968693593"/>
+        <p14:creationId xmlns:p14="http://schemas.microsoft.com/office/powerpoint/2010/main" val="480506807"/>
       </p:ext>
     </p:extLst>
   </p:cSld>
@@ -838,6 +905,13 @@
 <file path=ppt/notesSlides/notesSlide11.xml><?xml version="1.0" encoding="utf-8"?>
 <p:notes xmlns:p="http://schemas.openxmlformats.org/presentationml/2006/main" xmlns:r="http://schemas.openxmlformats.org/officeDocument/2006/relationships" xmlns:a="http://schemas.openxmlformats.org/drawingml/2006/main">
   <p:cSld>
+    <p:bg>
+      <p:bgPr>
+        <a:solidFill>
+          <a:schemeClr val="bg1"/>
+        </a:solidFill>
+      </p:bgPr>
+    </p:bg>
     <p:spTree>
       <p:nvGrpSpPr>
         <p:cNvPr id="1" name=""/>
@@ -854,38 +928,7 @@
       </p:grpSpPr>
       <p:sp>
         <p:nvSpPr>
-          <p:cNvPr id="2" name="文本框"/>
-          <p:cNvSpPr>
-            <a:spLocks noGrp="1"/>
-          </p:cNvSpPr>
-          <p:nvPr>
-            <p:ph type="sldImg"/>
-          </p:nvPr>
-        </p:nvSpPr>
-        <p:spPr/>
-      </p:sp>
-      <p:sp>
-        <p:nvSpPr>
-          <p:cNvPr id="3" name="文本框"/>
-          <p:cNvSpPr>
-            <a:spLocks noGrp="1"/>
-          </p:cNvSpPr>
-          <p:nvPr>
-            <p:ph type="body" idx="1"/>
-          </p:nvPr>
-        </p:nvSpPr>
-        <p:spPr/>
-        <p:txBody>
-          <a:bodyPr/>
-          <a:lstStyle/>
-          <a:p>
-            <a:endParaRPr lang="zh-CN" altLang="en-US"/>
-          </a:p>
-        </p:txBody>
-      </p:sp>
-      <p:sp>
-        <p:nvSpPr>
-          <p:cNvPr id="13" name="文本框"/>
+          <p:cNvPr id="8" name="文本框"/>
           <p:cNvSpPr>
             <a:spLocks noGrp="1"/>
           </p:cNvSpPr>
@@ -932,10 +975,67 @@
           </a:p>
         </p:txBody>
       </p:sp>
+      <p:sp>
+        <p:nvSpPr>
+          <p:cNvPr id="49" name="对象"/>
+          <p:cNvSpPr>
+            <a:spLocks noGrp="1"/>
+          </p:cNvSpPr>
+          <p:nvPr>
+            <p:ph type="sldImg"/>
+          </p:nvPr>
+        </p:nvSpPr>
+        <p:spPr>
+          <a:xfrm rot="0">
+            <a:off x="685800" y="1143000"/>
+            <a:ext cx="5486400" cy="3086100"/>
+          </a:xfrm>
+          <a:prstGeom prst="rect"/>
+          <a:noFill/>
+          <a:ln w="12700" cmpd="sng" cap="flat">
+            <a:noFill/>
+            <a:prstDash val="solid"/>
+            <a:miter/>
+          </a:ln>
+        </p:spPr>
+      </p:sp>
+      <p:sp>
+        <p:nvSpPr>
+          <p:cNvPr id="50" name="文本框"/>
+          <p:cNvSpPr>
+            <a:spLocks noGrp="1"/>
+          </p:cNvSpPr>
+          <p:nvPr>
+            <p:ph type="body" idx="1"/>
+          </p:nvPr>
+        </p:nvSpPr>
+        <p:spPr>
+          <a:xfrm rot="0">
+            <a:off x="685800" y="4400550"/>
+            <a:ext cx="5486400" cy="3600450"/>
+          </a:xfrm>
+          <a:prstGeom prst="rect"/>
+          <a:noFill/>
+          <a:ln w="12700" cmpd="sng" cap="flat">
+            <a:noFill/>
+            <a:prstDash val="solid"/>
+            <a:miter/>
+          </a:ln>
+        </p:spPr>
+        <p:txBody>
+          <a:bodyPr vert="horz" wrap="square" lIns="91440" tIns="45720" rIns="91440" bIns="45720" anchor="t" anchorCtr="0">
+            <a:prstTxWarp prst="textNoShape"/>
+          </a:bodyPr>
+          <a:lstStyle/>
+          <a:p>
+            <a:endParaRPr lang="zh-CN" altLang="en-US"/>
+          </a:p>
+        </p:txBody>
+      </p:sp>
     </p:spTree>
     <p:extLst>
       <p:ext uri="{BB962C8B-B14F-4D97-AF65-F5344CB8AC3E}">
-        <p14:creationId xmlns:p14="http://schemas.microsoft.com/office/powerpoint/2010/main" val="566420748"/>
+        <p14:creationId xmlns:p14="http://schemas.microsoft.com/office/powerpoint/2010/main" val="626255652"/>
       </p:ext>
     </p:extLst>
   </p:cSld>
@@ -948,6 +1048,13 @@
 <file path=ppt/notesSlides/notesSlide12.xml><?xml version="1.0" encoding="utf-8"?>
 <p:notes xmlns:p="http://schemas.openxmlformats.org/presentationml/2006/main" xmlns:r="http://schemas.openxmlformats.org/officeDocument/2006/relationships" xmlns:a="http://schemas.openxmlformats.org/drawingml/2006/main">
   <p:cSld>
+    <p:bg>
+      <p:bgPr>
+        <a:solidFill>
+          <a:schemeClr val="bg1"/>
+        </a:solidFill>
+      </p:bgPr>
+    </p:bg>
     <p:spTree>
       <p:nvGrpSpPr>
         <p:cNvPr id="1" name=""/>
@@ -964,38 +1071,7 @@
       </p:grpSpPr>
       <p:sp>
         <p:nvSpPr>
-          <p:cNvPr id="2" name="文本框"/>
-          <p:cNvSpPr>
-            <a:spLocks noGrp="1"/>
-          </p:cNvSpPr>
-          <p:nvPr>
-            <p:ph type="sldImg"/>
-          </p:nvPr>
-        </p:nvSpPr>
-        <p:spPr/>
-      </p:sp>
-      <p:sp>
-        <p:nvSpPr>
-          <p:cNvPr id="3" name="文本框"/>
-          <p:cNvSpPr>
-            <a:spLocks noGrp="1"/>
-          </p:cNvSpPr>
-          <p:nvPr>
-            <p:ph type="body" idx="1"/>
-          </p:nvPr>
-        </p:nvSpPr>
-        <p:spPr/>
-        <p:txBody>
-          <a:bodyPr/>
-          <a:lstStyle/>
-          <a:p>
-            <a:endParaRPr lang="zh-CN" altLang="en-US"/>
-          </a:p>
-        </p:txBody>
-      </p:sp>
-      <p:sp>
-        <p:nvSpPr>
-          <p:cNvPr id="13" name="文本框"/>
+          <p:cNvPr id="8" name="文本框"/>
           <p:cNvSpPr>
             <a:spLocks noGrp="1"/>
           </p:cNvSpPr>
@@ -1042,10 +1118,67 @@
           </a:p>
         </p:txBody>
       </p:sp>
+      <p:sp>
+        <p:nvSpPr>
+          <p:cNvPr id="52" name="对象"/>
+          <p:cNvSpPr>
+            <a:spLocks noGrp="1"/>
+          </p:cNvSpPr>
+          <p:nvPr>
+            <p:ph type="sldImg"/>
+          </p:nvPr>
+        </p:nvSpPr>
+        <p:spPr>
+          <a:xfrm rot="0">
+            <a:off x="685800" y="1143000"/>
+            <a:ext cx="5486400" cy="3086100"/>
+          </a:xfrm>
+          <a:prstGeom prst="rect"/>
+          <a:noFill/>
+          <a:ln w="12700" cmpd="sng" cap="flat">
+            <a:noFill/>
+            <a:prstDash val="solid"/>
+            <a:miter/>
+          </a:ln>
+        </p:spPr>
+      </p:sp>
+      <p:sp>
+        <p:nvSpPr>
+          <p:cNvPr id="53" name="文本框"/>
+          <p:cNvSpPr>
+            <a:spLocks noGrp="1"/>
+          </p:cNvSpPr>
+          <p:nvPr>
+            <p:ph type="body" idx="1"/>
+          </p:nvPr>
+        </p:nvSpPr>
+        <p:spPr>
+          <a:xfrm rot="0">
+            <a:off x="685800" y="4400550"/>
+            <a:ext cx="5486400" cy="3600450"/>
+          </a:xfrm>
+          <a:prstGeom prst="rect"/>
+          <a:noFill/>
+          <a:ln w="12700" cmpd="sng" cap="flat">
+            <a:noFill/>
+            <a:prstDash val="solid"/>
+            <a:miter/>
+          </a:ln>
+        </p:spPr>
+        <p:txBody>
+          <a:bodyPr vert="horz" wrap="square" lIns="91440" tIns="45720" rIns="91440" bIns="45720" anchor="t" anchorCtr="0">
+            <a:prstTxWarp prst="textNoShape"/>
+          </a:bodyPr>
+          <a:lstStyle/>
+          <a:p>
+            <a:endParaRPr lang="zh-CN" altLang="en-US"/>
+          </a:p>
+        </p:txBody>
+      </p:sp>
     </p:spTree>
     <p:extLst>
       <p:ext uri="{BB962C8B-B14F-4D97-AF65-F5344CB8AC3E}">
-        <p14:creationId xmlns:p14="http://schemas.microsoft.com/office/powerpoint/2010/main" val="1226500980"/>
+        <p14:creationId xmlns:p14="http://schemas.microsoft.com/office/powerpoint/2010/main" val="1005511926"/>
       </p:ext>
     </p:extLst>
   </p:cSld>
@@ -1055,9 +1188,16 @@
 </p:notes>
 </file>
 
-<file path=ppt/notesSlides/notesSlide2.xml><?xml version="1.0" encoding="utf-8"?>
+<file path=ppt/notesSlides/notesSlide13.xml><?xml version="1.0" encoding="utf-8"?>
 <p:notes xmlns:p="http://schemas.openxmlformats.org/presentationml/2006/main" xmlns:r="http://schemas.openxmlformats.org/officeDocument/2006/relationships" xmlns:a="http://schemas.openxmlformats.org/drawingml/2006/main">
   <p:cSld>
+    <p:bg>
+      <p:bgPr>
+        <a:solidFill>
+          <a:schemeClr val="bg1"/>
+        </a:solidFill>
+      </p:bgPr>
+    </p:bg>
     <p:spTree>
       <p:nvGrpSpPr>
         <p:cNvPr id="1" name=""/>
@@ -1074,19 +1214,80 @@
       </p:grpSpPr>
       <p:sp>
         <p:nvSpPr>
-          <p:cNvPr id="2" name="文本框"/>
+          <p:cNvPr id="8" name="文本框"/>
           <p:cNvSpPr>
             <a:spLocks noGrp="1"/>
           </p:cNvSpPr>
           <p:nvPr>
+            <p:ph type="sldNum" idx="5"/>
+          </p:nvPr>
+        </p:nvSpPr>
+        <p:spPr>
+          <a:xfrm rot="0">
+            <a:off x="3884613" y="8685213"/>
+            <a:ext cx="2971800" cy="458787"/>
+          </a:xfrm>
+          <a:prstGeom prst="rect"/>
+          <a:noFill/>
+          <a:ln w="12700" cmpd="sng" cap="flat">
+            <a:noFill/>
+            <a:prstDash val="solid"/>
+            <a:miter/>
+          </a:ln>
+        </p:spPr>
+        <p:txBody>
+          <a:bodyPr vert="horz" wrap="square" lIns="91440" tIns="45720" rIns="91440" bIns="45720" anchor="b" anchorCtr="0">
+            <a:prstTxWarp prst="textNoShape"/>
+          </a:bodyPr>
+          <a:lstStyle/>
+          <a:p>
+            <a:pPr algn="r"/>
+            <a:fld id="{CAD2D6BD-DE1B-4B5F-8B41-2702339687B9}" type="slidenum">
+              <a:rPr lang="en-US" altLang="zh-CN" sz="1200" b="0" i="0" u="none" strike="noStrike" kern="1200" cap="none" spc="0" baseline="0">
+                <a:solidFill>
+                  <a:schemeClr val="tx1"/>
+                </a:solidFill>
+                <a:latin typeface="Calibri" pitchFamily="0" charset="0"/>
+                <a:ea typeface="宋体" pitchFamily="0" charset="0"/>
+                <a:cs typeface="Calibri" pitchFamily="0" charset="0"/>
+              </a:rPr>
+              <a:t>13</a:t>
+            </a:fld>
+            <a:endParaRPr lang="zh-CN" altLang="en-US" sz="1200">
+              <a:latin typeface="Calibri" pitchFamily="0" charset="0"/>
+              <a:ea typeface="宋体" pitchFamily="0" charset="0"/>
+              <a:cs typeface="Calibri" pitchFamily="0" charset="0"/>
+            </a:endParaRPr>
+          </a:p>
+        </p:txBody>
+      </p:sp>
+      <p:sp>
+        <p:nvSpPr>
+          <p:cNvPr id="55" name="对象"/>
+          <p:cNvSpPr>
+            <a:spLocks noGrp="1"/>
+          </p:cNvSpPr>
+          <p:nvPr>
             <p:ph type="sldImg"/>
           </p:nvPr>
         </p:nvSpPr>
-        <p:spPr/>
-      </p:sp>
-      <p:sp>
-        <p:nvSpPr>
-          <p:cNvPr id="3" name="文本框"/>
+        <p:spPr>
+          <a:xfrm rot="0">
+            <a:off x="685800" y="1143000"/>
+            <a:ext cx="5486400" cy="3086100"/>
+          </a:xfrm>
+          <a:prstGeom prst="rect"/>
+          <a:noFill/>
+          <a:ln w="12700" cmpd="sng" cap="flat">
+            <a:noFill/>
+            <a:prstDash val="solid"/>
+            <a:miter/>
+          </a:ln>
+        </p:spPr>
+      </p:sp>
+      <p:sp>
+        <p:nvSpPr>
+          <p:cNvPr id="56" name="文本框"/>
           <p:cNvSpPr>
             <a:spLocks noGrp="1"/>
           </p:cNvSpPr>
@@ -1094,18 +1295,69 @@
             <p:ph type="body" idx="1"/>
           </p:nvPr>
         </p:nvSpPr>
-        <p:spPr/>
-        <p:txBody>
-          <a:bodyPr/>
+        <p:spPr>
+          <a:xfrm rot="0">
+            <a:off x="685800" y="4400550"/>
+            <a:ext cx="5486400" cy="3600450"/>
+          </a:xfrm>
+          <a:prstGeom prst="rect"/>
+          <a:noFill/>
+          <a:ln w="12700" cmpd="sng" cap="flat">
+            <a:noFill/>
+            <a:prstDash val="solid"/>
+            <a:miter/>
+          </a:ln>
+        </p:spPr>
+        <p:txBody>
+          <a:bodyPr vert="horz" wrap="square" lIns="91440" tIns="45720" rIns="91440" bIns="45720" anchor="t" anchorCtr="0">
+            <a:prstTxWarp prst="textNoShape"/>
+          </a:bodyPr>
           <a:lstStyle/>
           <a:p>
             <a:endParaRPr lang="zh-CN" altLang="en-US"/>
           </a:p>
         </p:txBody>
       </p:sp>
-      <p:sp>
-        <p:nvSpPr>
-          <p:cNvPr id="13" name="文本框"/>
+    </p:spTree>
+    <p:extLst>
+      <p:ext uri="{BB962C8B-B14F-4D97-AF65-F5344CB8AC3E}">
+        <p14:creationId xmlns:p14="http://schemas.microsoft.com/office/powerpoint/2010/main" val="209712900"/>
+      </p:ext>
+    </p:extLst>
+  </p:cSld>
+  <p:clrMapOvr>
+    <a:masterClrMapping/>
+  </p:clrMapOvr>
+</p:notes>
+</file>
+
+<file path=ppt/notesSlides/notesSlide2.xml><?xml version="1.0" encoding="utf-8"?>
+<p:notes xmlns:p="http://schemas.openxmlformats.org/presentationml/2006/main" xmlns:r="http://schemas.openxmlformats.org/officeDocument/2006/relationships" xmlns:a="http://schemas.openxmlformats.org/drawingml/2006/main">
+  <p:cSld>
+    <p:bg>
+      <p:bgPr>
+        <a:solidFill>
+          <a:schemeClr val="bg1"/>
+        </a:solidFill>
+      </p:bgPr>
+    </p:bg>
+    <p:spTree>
+      <p:nvGrpSpPr>
+        <p:cNvPr id="1" name=""/>
+        <p:cNvGrpSpPr/>
+        <p:nvPr/>
+      </p:nvGrpSpPr>
+      <p:grpSpPr>
+        <a:xfrm>
+          <a:off x="0" y="0"/>
+          <a:ext cx="0" cy="0"/>
+          <a:chOff x="0" y="0"/>
+          <a:chExt cx="0" cy="0"/>
+        </a:xfrm>
+      </p:grpSpPr>
+      <p:sp>
+        <p:nvSpPr>
+          <p:cNvPr id="8" name="文本框"/>
           <p:cNvSpPr>
             <a:spLocks noGrp="1"/>
           </p:cNvSpPr>
@@ -1152,10 +1404,67 @@
           </a:p>
         </p:txBody>
       </p:sp>
+      <p:sp>
+        <p:nvSpPr>
+          <p:cNvPr id="22" name="对象"/>
+          <p:cNvSpPr>
+            <a:spLocks noGrp="1"/>
+          </p:cNvSpPr>
+          <p:nvPr>
+            <p:ph type="sldImg"/>
+          </p:nvPr>
+        </p:nvSpPr>
+        <p:spPr>
+          <a:xfrm rot="0">
+            <a:off x="685800" y="1143000"/>
+            <a:ext cx="5486400" cy="3086100"/>
+          </a:xfrm>
+          <a:prstGeom prst="rect"/>
+          <a:noFill/>
+          <a:ln w="12700" cmpd="sng" cap="flat">
+            <a:noFill/>
+            <a:prstDash val="solid"/>
+            <a:miter/>
+          </a:ln>
+        </p:spPr>
+      </p:sp>
+      <p:sp>
+        <p:nvSpPr>
+          <p:cNvPr id="23" name="文本框"/>
+          <p:cNvSpPr>
+            <a:spLocks noGrp="1"/>
+          </p:cNvSpPr>
+          <p:nvPr>
+            <p:ph type="body" idx="1"/>
+          </p:nvPr>
+        </p:nvSpPr>
+        <p:spPr>
+          <a:xfrm rot="0">
+            <a:off x="685800" y="4400550"/>
+            <a:ext cx="5486400" cy="3600450"/>
+          </a:xfrm>
+          <a:prstGeom prst="rect"/>
+          <a:noFill/>
+          <a:ln w="12700" cmpd="sng" cap="flat">
+            <a:noFill/>
+            <a:prstDash val="solid"/>
+            <a:miter/>
+          </a:ln>
+        </p:spPr>
+        <p:txBody>
+          <a:bodyPr vert="horz" wrap="square" lIns="91440" tIns="45720" rIns="91440" bIns="45720" anchor="t" anchorCtr="0">
+            <a:prstTxWarp prst="textNoShape"/>
+          </a:bodyPr>
+          <a:lstStyle/>
+          <a:p>
+            <a:endParaRPr lang="zh-CN" altLang="en-US"/>
+          </a:p>
+        </p:txBody>
+      </p:sp>
     </p:spTree>
     <p:extLst>
       <p:ext uri="{BB962C8B-B14F-4D97-AF65-F5344CB8AC3E}">
-        <p14:creationId xmlns:p14="http://schemas.microsoft.com/office/powerpoint/2010/main" val="1303555186"/>
+        <p14:creationId xmlns:p14="http://schemas.microsoft.com/office/powerpoint/2010/main" val="1782771779"/>
       </p:ext>
     </p:extLst>
   </p:cSld>
@@ -1168,6 +1477,13 @@
 <file path=ppt/notesSlides/notesSlide3.xml><?xml version="1.0" encoding="utf-8"?>
 <p:notes xmlns:p="http://schemas.openxmlformats.org/presentationml/2006/main" xmlns:r="http://schemas.openxmlformats.org/officeDocument/2006/relationships" xmlns:a="http://schemas.openxmlformats.org/drawingml/2006/main">
   <p:cSld>
+    <p:bg>
+      <p:bgPr>
+        <a:solidFill>
+          <a:schemeClr val="bg1"/>
+        </a:solidFill>
+      </p:bgPr>
+    </p:bg>
     <p:spTree>
       <p:nvGrpSpPr>
         <p:cNvPr id="1" name=""/>
@@ -1184,38 +1500,7 @@
       </p:grpSpPr>
       <p:sp>
         <p:nvSpPr>
-          <p:cNvPr id="2" name="文本框"/>
-          <p:cNvSpPr>
-            <a:spLocks noGrp="1"/>
-          </p:cNvSpPr>
-          <p:nvPr>
-            <p:ph type="sldImg"/>
-          </p:nvPr>
-        </p:nvSpPr>
-        <p:spPr/>
-      </p:sp>
-      <p:sp>
-        <p:nvSpPr>
-          <p:cNvPr id="3" name="文本框"/>
-          <p:cNvSpPr>
-            <a:spLocks noGrp="1"/>
-          </p:cNvSpPr>
-          <p:nvPr>
-            <p:ph type="body" idx="1"/>
-          </p:nvPr>
-        </p:nvSpPr>
-        <p:spPr/>
-        <p:txBody>
-          <a:bodyPr/>
-          <a:lstStyle/>
-          <a:p>
-            <a:endParaRPr lang="zh-CN" altLang="en-US"/>
-          </a:p>
-        </p:txBody>
-      </p:sp>
-      <p:sp>
-        <p:nvSpPr>
-          <p:cNvPr id="13" name="文本框"/>
+          <p:cNvPr id="8" name="文本框"/>
           <p:cNvSpPr>
             <a:spLocks noGrp="1"/>
           </p:cNvSpPr>
@@ -1262,10 +1547,67 @@
           </a:p>
         </p:txBody>
       </p:sp>
+      <p:sp>
+        <p:nvSpPr>
+          <p:cNvPr id="25" name="对象"/>
+          <p:cNvSpPr>
+            <a:spLocks noGrp="1"/>
+          </p:cNvSpPr>
+          <p:nvPr>
+            <p:ph type="sldImg"/>
+          </p:nvPr>
+        </p:nvSpPr>
+        <p:spPr>
+          <a:xfrm rot="0">
+            <a:off x="685800" y="1143000"/>
+            <a:ext cx="5486400" cy="3086100"/>
+          </a:xfrm>
+          <a:prstGeom prst="rect"/>
+          <a:noFill/>
+          <a:ln w="12700" cmpd="sng" cap="flat">
+            <a:noFill/>
+            <a:prstDash val="solid"/>
+            <a:miter/>
+          </a:ln>
+        </p:spPr>
+      </p:sp>
+      <p:sp>
+        <p:nvSpPr>
+          <p:cNvPr id="26" name="文本框"/>
+          <p:cNvSpPr>
+            <a:spLocks noGrp="1"/>
+          </p:cNvSpPr>
+          <p:nvPr>
+            <p:ph type="body" idx="1"/>
+          </p:nvPr>
+        </p:nvSpPr>
+        <p:spPr>
+          <a:xfrm rot="0">
+            <a:off x="685800" y="4400550"/>
+            <a:ext cx="5486400" cy="3600450"/>
+          </a:xfrm>
+          <a:prstGeom prst="rect"/>
+          <a:noFill/>
+          <a:ln w="12700" cmpd="sng" cap="flat">
+            <a:noFill/>
+            <a:prstDash val="solid"/>
+            <a:miter/>
+          </a:ln>
+        </p:spPr>
+        <p:txBody>
+          <a:bodyPr vert="horz" wrap="square" lIns="91440" tIns="45720" rIns="91440" bIns="45720" anchor="t" anchorCtr="0">
+            <a:prstTxWarp prst="textNoShape"/>
+          </a:bodyPr>
+          <a:lstStyle/>
+          <a:p>
+            <a:endParaRPr lang="zh-CN" altLang="en-US"/>
+          </a:p>
+        </p:txBody>
+      </p:sp>
     </p:spTree>
     <p:extLst>
       <p:ext uri="{BB962C8B-B14F-4D97-AF65-F5344CB8AC3E}">
-        <p14:creationId xmlns:p14="http://schemas.microsoft.com/office/powerpoint/2010/main" val="129951000"/>
+        <p14:creationId xmlns:p14="http://schemas.microsoft.com/office/powerpoint/2010/main" val="1980743656"/>
       </p:ext>
     </p:extLst>
   </p:cSld>
@@ -1278,6 +1620,13 @@
 <file path=ppt/notesSlides/notesSlide4.xml><?xml version="1.0" encoding="utf-8"?>
 <p:notes xmlns:p="http://schemas.openxmlformats.org/presentationml/2006/main" xmlns:r="http://schemas.openxmlformats.org/officeDocument/2006/relationships" xmlns:a="http://schemas.openxmlformats.org/drawingml/2006/main">
   <p:cSld>
+    <p:bg>
+      <p:bgPr>
+        <a:solidFill>
+          <a:schemeClr val="bg1"/>
+        </a:solidFill>
+      </p:bgPr>
+    </p:bg>
     <p:spTree>
       <p:nvGrpSpPr>
         <p:cNvPr id="1" name=""/>
@@ -1294,38 +1643,7 @@
       </p:grpSpPr>
       <p:sp>
         <p:nvSpPr>
-          <p:cNvPr id="2" name="文本框"/>
-          <p:cNvSpPr>
-            <a:spLocks noGrp="1"/>
-          </p:cNvSpPr>
-          <p:nvPr>
-            <p:ph type="sldImg"/>
-          </p:nvPr>
-        </p:nvSpPr>
-        <p:spPr/>
-      </p:sp>
-      <p:sp>
-        <p:nvSpPr>
-          <p:cNvPr id="3" name="文本框"/>
-          <p:cNvSpPr>
-            <a:spLocks noGrp="1"/>
-          </p:cNvSpPr>
-          <p:nvPr>
-            <p:ph type="body" idx="1"/>
-          </p:nvPr>
-        </p:nvSpPr>
-        <p:spPr/>
-        <p:txBody>
-          <a:bodyPr/>
-          <a:lstStyle/>
-          <a:p>
-            <a:endParaRPr lang="zh-CN" altLang="en-US"/>
-          </a:p>
-        </p:txBody>
-      </p:sp>
-      <p:sp>
-        <p:nvSpPr>
-          <p:cNvPr id="13" name="文本框"/>
+          <p:cNvPr id="8" name="文本框"/>
           <p:cNvSpPr>
             <a:spLocks noGrp="1"/>
           </p:cNvSpPr>
@@ -1372,10 +1690,67 @@
           </a:p>
         </p:txBody>
       </p:sp>
+      <p:sp>
+        <p:nvSpPr>
+          <p:cNvPr id="28" name="对象"/>
+          <p:cNvSpPr>
+            <a:spLocks noGrp="1"/>
+          </p:cNvSpPr>
+          <p:nvPr>
+            <p:ph type="sldImg"/>
+          </p:nvPr>
+        </p:nvSpPr>
+        <p:spPr>
+          <a:xfrm rot="0">
+            <a:off x="685800" y="1143000"/>
+            <a:ext cx="5486400" cy="3086100"/>
+          </a:xfrm>
+          <a:prstGeom prst="rect"/>
+          <a:noFill/>
+          <a:ln w="12700" cmpd="sng" cap="flat">
+            <a:noFill/>
+            <a:prstDash val="solid"/>
+            <a:miter/>
+          </a:ln>
+        </p:spPr>
+      </p:sp>
+      <p:sp>
+        <p:nvSpPr>
+          <p:cNvPr id="29" name="文本框"/>
+          <p:cNvSpPr>
+            <a:spLocks noGrp="1"/>
+          </p:cNvSpPr>
+          <p:nvPr>
+            <p:ph type="body" idx="1"/>
+          </p:nvPr>
+        </p:nvSpPr>
+        <p:spPr>
+          <a:xfrm rot="0">
+            <a:off x="685800" y="4400550"/>
+            <a:ext cx="5486400" cy="3600450"/>
+          </a:xfrm>
+          <a:prstGeom prst="rect"/>
+          <a:noFill/>
+          <a:ln w="12700" cmpd="sng" cap="flat">
+            <a:noFill/>
+            <a:prstDash val="solid"/>
+            <a:miter/>
+          </a:ln>
+        </p:spPr>
+        <p:txBody>
+          <a:bodyPr vert="horz" wrap="square" lIns="91440" tIns="45720" rIns="91440" bIns="45720" anchor="t" anchorCtr="0">
+            <a:prstTxWarp prst="textNoShape"/>
+          </a:bodyPr>
+          <a:lstStyle/>
+          <a:p>
+            <a:endParaRPr lang="zh-CN" altLang="en-US"/>
+          </a:p>
+        </p:txBody>
+      </p:sp>
     </p:spTree>
     <p:extLst>
       <p:ext uri="{BB962C8B-B14F-4D97-AF65-F5344CB8AC3E}">
-        <p14:creationId xmlns:p14="http://schemas.microsoft.com/office/powerpoint/2010/main" val="696695903"/>
+        <p14:creationId xmlns:p14="http://schemas.microsoft.com/office/powerpoint/2010/main" val="1452543008"/>
       </p:ext>
     </p:extLst>
   </p:cSld>
@@ -1388,6 +1763,13 @@
 <file path=ppt/notesSlides/notesSlide5.xml><?xml version="1.0" encoding="utf-8"?>
 <p:notes xmlns:p="http://schemas.openxmlformats.org/presentationml/2006/main" xmlns:r="http://schemas.openxmlformats.org/officeDocument/2006/relationships" xmlns:a="http://schemas.openxmlformats.org/drawingml/2006/main">
   <p:cSld>
+    <p:bg>
+      <p:bgPr>
+        <a:solidFill>
+          <a:schemeClr val="bg1"/>
+        </a:solidFill>
+      </p:bgPr>
+    </p:bg>
     <p:spTree>
       <p:nvGrpSpPr>
         <p:cNvPr id="1" name=""/>
@@ -1404,38 +1786,7 @@
       </p:grpSpPr>
       <p:sp>
         <p:nvSpPr>
-          <p:cNvPr id="2" name="文本框"/>
-          <p:cNvSpPr>
-            <a:spLocks noGrp="1"/>
-          </p:cNvSpPr>
-          <p:nvPr>
-            <p:ph type="sldImg"/>
-          </p:nvPr>
-        </p:nvSpPr>
-        <p:spPr/>
-      </p:sp>
-      <p:sp>
-        <p:nvSpPr>
-          <p:cNvPr id="3" name="文本框"/>
-          <p:cNvSpPr>
-            <a:spLocks noGrp="1"/>
-          </p:cNvSpPr>
-          <p:nvPr>
-            <p:ph type="body" idx="1"/>
-          </p:nvPr>
-        </p:nvSpPr>
-        <p:spPr/>
-        <p:txBody>
-          <a:bodyPr/>
-          <a:lstStyle/>
-          <a:p>
-            <a:endParaRPr lang="zh-CN" altLang="en-US"/>
-          </a:p>
-        </p:txBody>
-      </p:sp>
-      <p:sp>
-        <p:nvSpPr>
-          <p:cNvPr id="13" name="文本框"/>
+          <p:cNvPr id="8" name="文本框"/>
           <p:cNvSpPr>
             <a:spLocks noGrp="1"/>
           </p:cNvSpPr>
@@ -1482,10 +1833,67 @@
           </a:p>
         </p:txBody>
       </p:sp>
+      <p:sp>
+        <p:nvSpPr>
+          <p:cNvPr id="31" name="对象"/>
+          <p:cNvSpPr>
+            <a:spLocks noGrp="1"/>
+          </p:cNvSpPr>
+          <p:nvPr>
+            <p:ph type="sldImg"/>
+          </p:nvPr>
+        </p:nvSpPr>
+        <p:spPr>
+          <a:xfrm rot="0">
+            <a:off x="685800" y="1143000"/>
+            <a:ext cx="5486400" cy="3086100"/>
+          </a:xfrm>
+          <a:prstGeom prst="rect"/>
+          <a:noFill/>
+          <a:ln w="12700" cmpd="sng" cap="flat">
+            <a:noFill/>
+            <a:prstDash val="solid"/>
+            <a:miter/>
+          </a:ln>
+        </p:spPr>
+      </p:sp>
+      <p:sp>
+        <p:nvSpPr>
+          <p:cNvPr id="32" name="文本框"/>
+          <p:cNvSpPr>
+            <a:spLocks noGrp="1"/>
+          </p:cNvSpPr>
+          <p:nvPr>
+            <p:ph type="body" idx="1"/>
+          </p:nvPr>
+        </p:nvSpPr>
+        <p:spPr>
+          <a:xfrm rot="0">
+            <a:off x="685800" y="4400550"/>
+            <a:ext cx="5486400" cy="3600450"/>
+          </a:xfrm>
+          <a:prstGeom prst="rect"/>
+          <a:noFill/>
+          <a:ln w="12700" cmpd="sng" cap="flat">
+            <a:noFill/>
+            <a:prstDash val="solid"/>
+            <a:miter/>
+          </a:ln>
+        </p:spPr>
+        <p:txBody>
+          <a:bodyPr vert="horz" wrap="square" lIns="91440" tIns="45720" rIns="91440" bIns="45720" anchor="t" anchorCtr="0">
+            <a:prstTxWarp prst="textNoShape"/>
+          </a:bodyPr>
+          <a:lstStyle/>
+          <a:p>
+            <a:endParaRPr lang="zh-CN" altLang="en-US"/>
+          </a:p>
+        </p:txBody>
+      </p:sp>
     </p:spTree>
     <p:extLst>
       <p:ext uri="{BB962C8B-B14F-4D97-AF65-F5344CB8AC3E}">
-        <p14:creationId xmlns:p14="http://schemas.microsoft.com/office/powerpoint/2010/main" val="1992277913"/>
+        <p14:creationId xmlns:p14="http://schemas.microsoft.com/office/powerpoint/2010/main" val="403587982"/>
       </p:ext>
     </p:extLst>
   </p:cSld>
@@ -1498,6 +1906,13 @@
 <file path=ppt/notesSlides/notesSlide6.xml><?xml version="1.0" encoding="utf-8"?>
 <p:notes xmlns:p="http://schemas.openxmlformats.org/presentationml/2006/main" xmlns:r="http://schemas.openxmlformats.org/officeDocument/2006/relationships" xmlns:a="http://schemas.openxmlformats.org/drawingml/2006/main">
   <p:cSld>
+    <p:bg>
+      <p:bgPr>
+        <a:solidFill>
+          <a:schemeClr val="bg1"/>
+        </a:solidFill>
+      </p:bgPr>
+    </p:bg>
     <p:spTree>
       <p:nvGrpSpPr>
         <p:cNvPr id="1" name=""/>
@@ -1514,38 +1929,7 @@
       </p:grpSpPr>
       <p:sp>
         <p:nvSpPr>
-          <p:cNvPr id="2" name="文本框"/>
-          <p:cNvSpPr>
-            <a:spLocks noGrp="1"/>
-          </p:cNvSpPr>
-          <p:nvPr>
-            <p:ph type="sldImg"/>
-          </p:nvPr>
-        </p:nvSpPr>
-        <p:spPr/>
-      </p:sp>
-      <p:sp>
-        <p:nvSpPr>
-          <p:cNvPr id="3" name="文本框"/>
-          <p:cNvSpPr>
-            <a:spLocks noGrp="1"/>
-          </p:cNvSpPr>
-          <p:nvPr>
-            <p:ph type="body" idx="1"/>
-          </p:nvPr>
-        </p:nvSpPr>
-        <p:spPr/>
-        <p:txBody>
-          <a:bodyPr/>
-          <a:lstStyle/>
-          <a:p>
-            <a:endParaRPr lang="zh-CN" altLang="en-US"/>
-          </a:p>
-        </p:txBody>
-      </p:sp>
-      <p:sp>
-        <p:nvSpPr>
-          <p:cNvPr id="13" name="文本框"/>
+          <p:cNvPr id="8" name="文本框"/>
           <p:cNvSpPr>
             <a:spLocks noGrp="1"/>
           </p:cNvSpPr>
@@ -1592,10 +1976,67 @@
           </a:p>
         </p:txBody>
       </p:sp>
+      <p:sp>
+        <p:nvSpPr>
+          <p:cNvPr id="34" name="对象"/>
+          <p:cNvSpPr>
+            <a:spLocks noGrp="1"/>
+          </p:cNvSpPr>
+          <p:nvPr>
+            <p:ph type="sldImg"/>
+          </p:nvPr>
+        </p:nvSpPr>
+        <p:spPr>
+          <a:xfrm rot="0">
+            <a:off x="685800" y="1143000"/>
+            <a:ext cx="5486400" cy="3086100"/>
+          </a:xfrm>
+          <a:prstGeom prst="rect"/>
+          <a:noFill/>
+          <a:ln w="12700" cmpd="sng" cap="flat">
+            <a:noFill/>
+            <a:prstDash val="solid"/>
+            <a:miter/>
+          </a:ln>
+        </p:spPr>
+      </p:sp>
+      <p:sp>
+        <p:nvSpPr>
+          <p:cNvPr id="35" name="文本框"/>
+          <p:cNvSpPr>
+            <a:spLocks noGrp="1"/>
+          </p:cNvSpPr>
+          <p:nvPr>
+            <p:ph type="body" idx="1"/>
+          </p:nvPr>
+        </p:nvSpPr>
+        <p:spPr>
+          <a:xfrm rot="0">
+            <a:off x="685800" y="4400550"/>
+            <a:ext cx="5486400" cy="3600450"/>
+          </a:xfrm>
+          <a:prstGeom prst="rect"/>
+          <a:noFill/>
+          <a:ln w="12700" cmpd="sng" cap="flat">
+            <a:noFill/>
+            <a:prstDash val="solid"/>
+            <a:miter/>
+          </a:ln>
+        </p:spPr>
+        <p:txBody>
+          <a:bodyPr vert="horz" wrap="square" lIns="91440" tIns="45720" rIns="91440" bIns="45720" anchor="t" anchorCtr="0">
+            <a:prstTxWarp prst="textNoShape"/>
+          </a:bodyPr>
+          <a:lstStyle/>
+          <a:p>
+            <a:endParaRPr lang="zh-CN" altLang="en-US"/>
+          </a:p>
+        </p:txBody>
+      </p:sp>
     </p:spTree>
     <p:extLst>
       <p:ext uri="{BB962C8B-B14F-4D97-AF65-F5344CB8AC3E}">
-        <p14:creationId xmlns:p14="http://schemas.microsoft.com/office/powerpoint/2010/main" val="366409936"/>
+        <p14:creationId xmlns:p14="http://schemas.microsoft.com/office/powerpoint/2010/main" val="685118954"/>
       </p:ext>
     </p:extLst>
   </p:cSld>
@@ -1608,6 +2049,13 @@
 <file path=ppt/notesSlides/notesSlide7.xml><?xml version="1.0" encoding="utf-8"?>
 <p:notes xmlns:p="http://schemas.openxmlformats.org/presentationml/2006/main" xmlns:r="http://schemas.openxmlformats.org/officeDocument/2006/relationships" xmlns:a="http://schemas.openxmlformats.org/drawingml/2006/main">
   <p:cSld>
+    <p:bg>
+      <p:bgPr>
+        <a:solidFill>
+          <a:schemeClr val="bg1"/>
+        </a:solidFill>
+      </p:bgPr>
+    </p:bg>
     <p:spTree>
       <p:nvGrpSpPr>
         <p:cNvPr id="1" name=""/>
@@ -1624,38 +2072,7 @@
       </p:grpSpPr>
       <p:sp>
         <p:nvSpPr>
-          <p:cNvPr id="2" name="文本框"/>
-          <p:cNvSpPr>
-            <a:spLocks noGrp="1"/>
-          </p:cNvSpPr>
-          <p:nvPr>
-            <p:ph type="sldImg"/>
-          </p:nvPr>
-        </p:nvSpPr>
-        <p:spPr/>
-      </p:sp>
-      <p:sp>
-        <p:nvSpPr>
-          <p:cNvPr id="3" name="文本框"/>
-          <p:cNvSpPr>
-            <a:spLocks noGrp="1"/>
-          </p:cNvSpPr>
-          <p:nvPr>
-            <p:ph type="body" idx="1"/>
-          </p:nvPr>
-        </p:nvSpPr>
-        <p:spPr/>
-        <p:txBody>
-          <a:bodyPr/>
-          <a:lstStyle/>
-          <a:p>
-            <a:endParaRPr lang="zh-CN" altLang="en-US"/>
-          </a:p>
-        </p:txBody>
-      </p:sp>
-      <p:sp>
-        <p:nvSpPr>
-          <p:cNvPr id="13" name="文本框"/>
+          <p:cNvPr id="8" name="文本框"/>
           <p:cNvSpPr>
             <a:spLocks noGrp="1"/>
           </p:cNvSpPr>
@@ -1702,10 +2119,67 @@
           </a:p>
         </p:txBody>
       </p:sp>
+      <p:sp>
+        <p:nvSpPr>
+          <p:cNvPr id="37" name="对象"/>
+          <p:cNvSpPr>
+            <a:spLocks noGrp="1"/>
+          </p:cNvSpPr>
+          <p:nvPr>
+            <p:ph type="sldImg"/>
+          </p:nvPr>
+        </p:nvSpPr>
+        <p:spPr>
+          <a:xfrm rot="0">
+            <a:off x="685800" y="1143000"/>
+            <a:ext cx="5486400" cy="3086100"/>
+          </a:xfrm>
+          <a:prstGeom prst="rect"/>
+          <a:noFill/>
+          <a:ln w="12700" cmpd="sng" cap="flat">
+            <a:noFill/>
+            <a:prstDash val="solid"/>
+            <a:miter/>
+          </a:ln>
+        </p:spPr>
+      </p:sp>
+      <p:sp>
+        <p:nvSpPr>
+          <p:cNvPr id="38" name="文本框"/>
+          <p:cNvSpPr>
+            <a:spLocks noGrp="1"/>
+          </p:cNvSpPr>
+          <p:nvPr>
+            <p:ph type="body" idx="1"/>
+          </p:nvPr>
+        </p:nvSpPr>
+        <p:spPr>
+          <a:xfrm rot="0">
+            <a:off x="685800" y="4400550"/>
+            <a:ext cx="5486400" cy="3600450"/>
+          </a:xfrm>
+          <a:prstGeom prst="rect"/>
+          <a:noFill/>
+          <a:ln w="12700" cmpd="sng" cap="flat">
+            <a:noFill/>
+            <a:prstDash val="solid"/>
+            <a:miter/>
+          </a:ln>
+        </p:spPr>
+        <p:txBody>
+          <a:bodyPr vert="horz" wrap="square" lIns="91440" tIns="45720" rIns="91440" bIns="45720" anchor="t" anchorCtr="0">
+            <a:prstTxWarp prst="textNoShape"/>
+          </a:bodyPr>
+          <a:lstStyle/>
+          <a:p>
+            <a:endParaRPr lang="zh-CN" altLang="en-US"/>
+          </a:p>
+        </p:txBody>
+      </p:sp>
     </p:spTree>
     <p:extLst>
       <p:ext uri="{BB962C8B-B14F-4D97-AF65-F5344CB8AC3E}">
-        <p14:creationId xmlns:p14="http://schemas.microsoft.com/office/powerpoint/2010/main" val="158476722"/>
+        <p14:creationId xmlns:p14="http://schemas.microsoft.com/office/powerpoint/2010/main" val="507404547"/>
       </p:ext>
     </p:extLst>
   </p:cSld>
@@ -1718,6 +2192,13 @@
 <file path=ppt/notesSlides/notesSlide8.xml><?xml version="1.0" encoding="utf-8"?>
 <p:notes xmlns:p="http://schemas.openxmlformats.org/presentationml/2006/main" xmlns:r="http://schemas.openxmlformats.org/officeDocument/2006/relationships" xmlns:a="http://schemas.openxmlformats.org/drawingml/2006/main">
   <p:cSld>
+    <p:bg>
+      <p:bgPr>
+        <a:solidFill>
+          <a:schemeClr val="bg1"/>
+        </a:solidFill>
+      </p:bgPr>
+    </p:bg>
     <p:spTree>
       <p:nvGrpSpPr>
         <p:cNvPr id="1" name=""/>
@@ -1734,38 +2215,7 @@
       </p:grpSpPr>
       <p:sp>
         <p:nvSpPr>
-          <p:cNvPr id="2" name="文本框"/>
-          <p:cNvSpPr>
-            <a:spLocks noGrp="1"/>
-          </p:cNvSpPr>
-          <p:nvPr>
-            <p:ph type="sldImg"/>
-          </p:nvPr>
-        </p:nvSpPr>
-        <p:spPr/>
-      </p:sp>
-      <p:sp>
-        <p:nvSpPr>
-          <p:cNvPr id="3" name="文本框"/>
-          <p:cNvSpPr>
-            <a:spLocks noGrp="1"/>
-          </p:cNvSpPr>
-          <p:nvPr>
-            <p:ph type="body" idx="1"/>
-          </p:nvPr>
-        </p:nvSpPr>
-        <p:spPr/>
-        <p:txBody>
-          <a:bodyPr/>
-          <a:lstStyle/>
-          <a:p>
-            <a:endParaRPr lang="zh-CN" altLang="en-US"/>
-          </a:p>
-        </p:txBody>
-      </p:sp>
-      <p:sp>
-        <p:nvSpPr>
-          <p:cNvPr id="13" name="文本框"/>
+          <p:cNvPr id="8" name="文本框"/>
           <p:cNvSpPr>
             <a:spLocks noGrp="1"/>
           </p:cNvSpPr>
@@ -1812,10 +2262,67 @@
           </a:p>
         </p:txBody>
       </p:sp>
+      <p:sp>
+        <p:nvSpPr>
+          <p:cNvPr id="40" name="对象"/>
+          <p:cNvSpPr>
+            <a:spLocks noGrp="1"/>
+          </p:cNvSpPr>
+          <p:nvPr>
+            <p:ph type="sldImg"/>
+          </p:nvPr>
+        </p:nvSpPr>
+        <p:spPr>
+          <a:xfrm rot="0">
+            <a:off x="685800" y="1143000"/>
+            <a:ext cx="5486400" cy="3086100"/>
+          </a:xfrm>
+          <a:prstGeom prst="rect"/>
+          <a:noFill/>
+          <a:ln w="12700" cmpd="sng" cap="flat">
+            <a:noFill/>
+            <a:prstDash val="solid"/>
+            <a:miter/>
+          </a:ln>
+        </p:spPr>
+      </p:sp>
+      <p:sp>
+        <p:nvSpPr>
+          <p:cNvPr id="41" name="文本框"/>
+          <p:cNvSpPr>
+            <a:spLocks noGrp="1"/>
+          </p:cNvSpPr>
+          <p:nvPr>
+            <p:ph type="body" idx="1"/>
+          </p:nvPr>
+        </p:nvSpPr>
+        <p:spPr>
+          <a:xfrm rot="0">
+            <a:off x="685800" y="4400550"/>
+            <a:ext cx="5486400" cy="3600450"/>
+          </a:xfrm>
+          <a:prstGeom prst="rect"/>
+          <a:noFill/>
+          <a:ln w="12700" cmpd="sng" cap="flat">
+            <a:noFill/>
+            <a:prstDash val="solid"/>
+            <a:miter/>
+          </a:ln>
+        </p:spPr>
+        <p:txBody>
+          <a:bodyPr vert="horz" wrap="square" lIns="91440" tIns="45720" rIns="91440" bIns="45720" anchor="t" anchorCtr="0">
+            <a:prstTxWarp prst="textNoShape"/>
+          </a:bodyPr>
+          <a:lstStyle/>
+          <a:p>
+            <a:endParaRPr lang="zh-CN" altLang="en-US"/>
+          </a:p>
+        </p:txBody>
+      </p:sp>
     </p:spTree>
     <p:extLst>
       <p:ext uri="{BB962C8B-B14F-4D97-AF65-F5344CB8AC3E}">
-        <p14:creationId xmlns:p14="http://schemas.microsoft.com/office/powerpoint/2010/main" val="234033376"/>
+        <p14:creationId xmlns:p14="http://schemas.microsoft.com/office/powerpoint/2010/main" val="1670345666"/>
       </p:ext>
     </p:extLst>
   </p:cSld>
@@ -1828,6 +2335,13 @@
 <file path=ppt/notesSlides/notesSlide9.xml><?xml version="1.0" encoding="utf-8"?>
 <p:notes xmlns:p="http://schemas.openxmlformats.org/presentationml/2006/main" xmlns:r="http://schemas.openxmlformats.org/officeDocument/2006/relationships" xmlns:a="http://schemas.openxmlformats.org/drawingml/2006/main">
   <p:cSld>
+    <p:bg>
+      <p:bgPr>
+        <a:solidFill>
+          <a:schemeClr val="bg1"/>
+        </a:solidFill>
+      </p:bgPr>
+    </p:bg>
     <p:spTree>
       <p:nvGrpSpPr>
         <p:cNvPr id="1" name=""/>
@@ -1844,38 +2358,7 @@
       </p:grpSpPr>
       <p:sp>
         <p:nvSpPr>
-          <p:cNvPr id="2" name="文本框"/>
-          <p:cNvSpPr>
-            <a:spLocks noGrp="1"/>
-          </p:cNvSpPr>
-          <p:nvPr>
-            <p:ph type="sldImg"/>
-          </p:nvPr>
-        </p:nvSpPr>
-        <p:spPr/>
-      </p:sp>
-      <p:sp>
-        <p:nvSpPr>
-          <p:cNvPr id="3" name="文本框"/>
-          <p:cNvSpPr>
-            <a:spLocks noGrp="1"/>
-          </p:cNvSpPr>
-          <p:nvPr>
-            <p:ph type="body" idx="1"/>
-          </p:nvPr>
-        </p:nvSpPr>
-        <p:spPr/>
-        <p:txBody>
-          <a:bodyPr/>
-          <a:lstStyle/>
-          <a:p>
-            <a:endParaRPr lang="zh-CN" altLang="en-US"/>
-          </a:p>
-        </p:txBody>
-      </p:sp>
-      <p:sp>
-        <p:nvSpPr>
-          <p:cNvPr id="13" name="文本框"/>
+          <p:cNvPr id="8" name="文本框"/>
           <p:cNvSpPr>
             <a:spLocks noGrp="1"/>
           </p:cNvSpPr>
@@ -1922,10 +2405,67 @@
           </a:p>
         </p:txBody>
       </p:sp>
+      <p:sp>
+        <p:nvSpPr>
+          <p:cNvPr id="43" name="对象"/>
+          <p:cNvSpPr>
+            <a:spLocks noGrp="1"/>
+          </p:cNvSpPr>
+          <p:nvPr>
+            <p:ph type="sldImg"/>
+          </p:nvPr>
+        </p:nvSpPr>
+        <p:spPr>
+          <a:xfrm rot="0">
+            <a:off x="685800" y="1143000"/>
+            <a:ext cx="5486400" cy="3086100"/>
+          </a:xfrm>
+          <a:prstGeom prst="rect"/>
+          <a:noFill/>
+          <a:ln w="12700" cmpd="sng" cap="flat">
+            <a:noFill/>
+            <a:prstDash val="solid"/>
+            <a:miter/>
+          </a:ln>
+        </p:spPr>
+      </p:sp>
+      <p:sp>
+        <p:nvSpPr>
+          <p:cNvPr id="44" name="文本框"/>
+          <p:cNvSpPr>
+            <a:spLocks noGrp="1"/>
+          </p:cNvSpPr>
+          <p:nvPr>
+            <p:ph type="body" idx="1"/>
+          </p:nvPr>
+        </p:nvSpPr>
+        <p:spPr>
+          <a:xfrm rot="0">
+            <a:off x="685800" y="4400550"/>
+            <a:ext cx="5486400" cy="3600450"/>
+          </a:xfrm>
+          <a:prstGeom prst="rect"/>
+          <a:noFill/>
+          <a:ln w="12700" cmpd="sng" cap="flat">
+            <a:noFill/>
+            <a:prstDash val="solid"/>
+            <a:miter/>
+          </a:ln>
+        </p:spPr>
+        <p:txBody>
+          <a:bodyPr vert="horz" wrap="square" lIns="91440" tIns="45720" rIns="91440" bIns="45720" anchor="t" anchorCtr="0">
+            <a:prstTxWarp prst="textNoShape"/>
+          </a:bodyPr>
+          <a:lstStyle/>
+          <a:p>
+            <a:endParaRPr lang="zh-CN" altLang="en-US"/>
+          </a:p>
+        </p:txBody>
+      </p:sp>
     </p:spTree>
     <p:extLst>
       <p:ext uri="{BB962C8B-B14F-4D97-AF65-F5344CB8AC3E}">
-        <p14:creationId xmlns:p14="http://schemas.microsoft.com/office/powerpoint/2010/main" val="448501153"/>
+        <p14:creationId xmlns:p14="http://schemas.microsoft.com/office/powerpoint/2010/main" val="1607096743"/>
       </p:ext>
     </p:extLst>
   </p:cSld>
@@ -1936,7 +2476,7 @@
 </file>
 
 <file path=ppt/slideLayouts/slideLayout1.xml><?xml version="1.0" encoding="utf-8"?>
-<p:sldLayout xmlns:p="http://schemas.openxmlformats.org/presentationml/2006/main" xmlns:a="http://schemas.openxmlformats.org/drawingml/2006/main" xmlns:r="http://schemas.openxmlformats.org/officeDocument/2006/relationships" type="title" preserve="1">
+<p:sldLayout xmlns:p="http://schemas.openxmlformats.org/presentationml/2006/main" type="title" preserve="1">
   <p:cSld name="标题幻灯片">
     <p:spTree>
       <p:nvGrpSpPr>
@@ -1945,7 +2485,7 @@
         <p:nvPr/>
       </p:nvGrpSpPr>
       <p:grpSpPr>
-        <a:xfrm>
+        <a:xfrm xmlns:a="http://schemas.openxmlformats.org/drawingml/2006/main">
           <a:off x="0" y="0"/>
           <a:ext cx="0" cy="0"/>
           <a:chOff x="0" y="0"/>
@@ -1956,22 +2496,22 @@
         <p:nvSpPr>
           <p:cNvPr id="2" name="文本框"/>
           <p:cNvSpPr>
-            <a:spLocks noGrp="1"/>
+            <a:spLocks xmlns:a="http://schemas.openxmlformats.org/drawingml/2006/main" noGrp="1"/>
           </p:cNvSpPr>
           <p:nvPr>
             <p:ph type="ctrTitle"/>
           </p:nvPr>
         </p:nvSpPr>
         <p:spPr>
-          <a:xfrm>
+          <a:xfrm xmlns:a="http://schemas.openxmlformats.org/drawingml/2006/main">
             <a:off x="914400" y="2130425"/>
             <a:ext cx="10363200" cy="1470025"/>
           </a:xfrm>
         </p:spPr>
         <p:txBody>
-          <a:bodyPr/>
-          <a:lstStyle/>
-          <a:p>
+          <a:bodyPr xmlns:a="http://schemas.openxmlformats.org/drawingml/2006/main"/>
+          <a:lstStyle xmlns:a="http://schemas.openxmlformats.org/drawingml/2006/main"/>
+          <a:p xmlns:a="http://schemas.openxmlformats.org/drawingml/2006/main">
             <a:r>
               <a:rPr lang="zh-CN" altLang="en-US" smtClean="0"/>
               <a:t>单击此处编辑母版标题样式</a:t>
@@ -1984,21 +2524,21 @@
         <p:nvSpPr>
           <p:cNvPr id="3" name="文本框"/>
           <p:cNvSpPr>
-            <a:spLocks noGrp="1"/>
+            <a:spLocks xmlns:a="http://schemas.openxmlformats.org/drawingml/2006/main" noGrp="1"/>
           </p:cNvSpPr>
           <p:nvPr>
             <p:ph type="subTitle" idx="1"/>
           </p:nvPr>
         </p:nvSpPr>
         <p:spPr>
-          <a:xfrm>
+          <a:xfrm xmlns:a="http://schemas.openxmlformats.org/drawingml/2006/main">
             <a:off x="1828800" y="3886199"/>
             <a:ext cx="8534400" cy="1752600"/>
           </a:xfrm>
         </p:spPr>
         <p:txBody>
-          <a:bodyPr/>
-          <a:lstStyle>
+          <a:bodyPr xmlns:a="http://schemas.openxmlformats.org/drawingml/2006/main"/>
+          <a:lstStyle xmlns:a="http://schemas.openxmlformats.org/drawingml/2006/main">
             <a:lvl1pPr marL="0" indent="0" algn="ctr">
               <a:buNone/>
               <a:defRPr/>
@@ -2036,7 +2576,7 @@
               <a:defRPr/>
             </a:lvl9pPr>
           </a:lstStyle>
-          <a:p>
+          <a:p xmlns:a="http://schemas.openxmlformats.org/drawingml/2006/main">
             <a:r>
               <a:rPr lang="zh-CN" altLang="en-US" smtClean="0"/>
               <a:t>单击此处编辑母版副标题样式</a:t>
@@ -2049,7 +2589,7 @@
         <p:nvSpPr>
           <p:cNvPr id="4" name="文本框"/>
           <p:cNvSpPr>
-            <a:spLocks noGrp="1"/>
+            <a:spLocks xmlns:a="http://schemas.openxmlformats.org/drawingml/2006/main" noGrp="1"/>
           </p:cNvSpPr>
           <p:nvPr>
             <p:ph type="dt" sz="half" idx="10"/>
@@ -2057,9 +2597,9 @@
         </p:nvSpPr>
         <p:spPr/>
         <p:txBody>
-          <a:bodyPr/>
-          <a:lstStyle/>
-          <a:p>
+          <a:bodyPr xmlns:a="http://schemas.openxmlformats.org/drawingml/2006/main"/>
+          <a:lstStyle xmlns:a="http://schemas.openxmlformats.org/drawingml/2006/main"/>
+          <a:p xmlns:a="http://schemas.openxmlformats.org/drawingml/2006/main">
             <a:fld id="{72514870-5082-4025-BC8A-5E070B8EB77D}" type="datetimeFigureOut">
               <a:rPr lang="zh-CN" altLang="en-US" smtClean="0"/>
               <a:t/>
@@ -2072,7 +2612,7 @@
         <p:nvSpPr>
           <p:cNvPr id="5" name="文本框"/>
           <p:cNvSpPr>
-            <a:spLocks noGrp="1"/>
+            <a:spLocks xmlns:a="http://schemas.openxmlformats.org/drawingml/2006/main" noGrp="1"/>
           </p:cNvSpPr>
           <p:nvPr>
             <p:ph type="ftr" sz="quarter" idx="11"/>
@@ -2080,9 +2620,9 @@
         </p:nvSpPr>
         <p:spPr/>
         <p:txBody>
-          <a:bodyPr/>
-          <a:lstStyle/>
-          <a:p>
+          <a:bodyPr xmlns:a="http://schemas.openxmlformats.org/drawingml/2006/main"/>
+          <a:lstStyle xmlns:a="http://schemas.openxmlformats.org/drawingml/2006/main"/>
+          <a:p xmlns:a="http://schemas.openxmlformats.org/drawingml/2006/main">
             <a:endParaRPr lang="zh-CN" altLang="en-US"/>
           </a:p>
         </p:txBody>
@@ -2091,7 +2631,7 @@
         <p:nvSpPr>
           <p:cNvPr id="6" name="文本框"/>
           <p:cNvSpPr>
-            <a:spLocks noGrp="1"/>
+            <a:spLocks xmlns:a="http://schemas.openxmlformats.org/drawingml/2006/main" noGrp="1"/>
           </p:cNvSpPr>
           <p:nvPr>
             <p:ph type="sldNum" sz="quarter" idx="12"/>
@@ -2099,9 +2639,9 @@
         </p:nvSpPr>
         <p:spPr/>
         <p:txBody>
-          <a:bodyPr/>
-          <a:lstStyle/>
-          <a:p>
+          <a:bodyPr xmlns:a="http://schemas.openxmlformats.org/drawingml/2006/main"/>
+          <a:lstStyle xmlns:a="http://schemas.openxmlformats.org/drawingml/2006/main"/>
+          <a:p xmlns:a="http://schemas.openxmlformats.org/drawingml/2006/main">
             <a:fld id="{3E00D155-3BB6-43CF-9AC4-BC63A66E74A9}" type="slidenum">
               <a:rPr lang="zh-CN" altLang="en-US" smtClean="0"/>
               <a:t/>
@@ -2113,12 +2653,12 @@
     </p:spTree>
     <p:extLst>
       <p:ext uri="{BB962C8B-B14F-4D97-AF65-F5344CB8AC3E}">
-        <p14:creationId xmlns:p14="http://schemas.microsoft.com/office/powerpoint/2010/main" val="1628908596"/>
+        <p14:creationId xmlns:p14="http://schemas.microsoft.com/office/powerpoint/2010/main" val="1251451241"/>
       </p:ext>
     </p:extLst>
   </p:cSld>
   <p:clrMapOvr>
-    <a:masterClrMapping/>
+    <a:masterClrMapping xmlns:a="http://schemas.openxmlformats.org/drawingml/2006/main"/>
   </p:clrMapOvr>
 </p:sldLayout>
 </file>
@@ -2283,7 +2823,7 @@
     </p:spTree>
     <p:extLst>
       <p:ext uri="{BB962C8B-B14F-4D97-AF65-F5344CB8AC3E}">
-        <p14:creationId xmlns:p14="http://schemas.microsoft.com/office/powerpoint/2010/main" val="607396729"/>
+        <p14:creationId xmlns:p14="http://schemas.microsoft.com/office/powerpoint/2010/main" val="417544241"/>
       </p:ext>
     </p:extLst>
   </p:cSld>
@@ -2463,7 +3003,7 @@
     </p:spTree>
     <p:extLst>
       <p:ext uri="{BB962C8B-B14F-4D97-AF65-F5344CB8AC3E}">
-        <p14:creationId xmlns:p14="http://schemas.microsoft.com/office/powerpoint/2010/main" val="165866954"/>
+        <p14:creationId xmlns:p14="http://schemas.microsoft.com/office/powerpoint/2010/main" val="889057187"/>
       </p:ext>
     </p:extLst>
   </p:cSld>
@@ -2499,7 +3039,7 @@
       </p:grpSpPr>
       <p:pic>
         <p:nvPicPr>
-          <p:cNvPr id="17" name="图片"/>
+          <p:cNvPr id="14" name="图片"/>
           <p:cNvPicPr>
             <a:picLocks xmlns:a="http://schemas.openxmlformats.org/drawingml/2006/main" noChangeAspect="1"/>
           </p:cNvPicPr>
@@ -2527,7 +3067,7 @@
       </p:pic>
       <p:sp>
         <p:nvSpPr>
-          <p:cNvPr id="14" name="文本框"/>
+          <p:cNvPr id="15" name="文本框"/>
           <p:cNvSpPr>
             <a:spLocks xmlns:a="http://schemas.openxmlformats.org/drawingml/2006/main" noGrp="1"/>
           </p:cNvSpPr>
@@ -2542,10 +3082,10 @@
           </a:xfrm>
           <a:prstGeom xmlns:a="http://schemas.openxmlformats.org/drawingml/2006/main" prst="rect"/>
           <a:noFill xmlns:a="http://schemas.openxmlformats.org/drawingml/2006/main"/>
-          <a:ln xmlns:a="http://schemas.openxmlformats.org/drawingml/2006/main" cmpd="sng" cap="flat">
+          <a:ln xmlns:a="http://schemas.openxmlformats.org/drawingml/2006/main" w="12700" cmpd="sng" cap="flat">
             <a:noFill/>
             <a:prstDash val="solid"/>
-            <a:miter/>
+            <a:round/>
           </a:ln>
         </p:spPr>
         <p:txBody>
@@ -2564,7 +3104,7 @@
       </p:sp>
       <p:sp>
         <p:nvSpPr>
-          <p:cNvPr id="15" name="文本框"/>
+          <p:cNvPr id="16" name="文本框"/>
           <p:cNvSpPr>
             <a:spLocks xmlns:a="http://schemas.openxmlformats.org/drawingml/2006/main" noGrp="1"/>
           </p:cNvSpPr>
@@ -2579,10 +3119,10 @@
           </a:xfrm>
           <a:prstGeom xmlns:a="http://schemas.openxmlformats.org/drawingml/2006/main" prst="rect"/>
           <a:noFill xmlns:a="http://schemas.openxmlformats.org/drawingml/2006/main"/>
-          <a:ln xmlns:a="http://schemas.openxmlformats.org/drawingml/2006/main" cmpd="sng" cap="flat">
+          <a:ln xmlns:a="http://schemas.openxmlformats.org/drawingml/2006/main" w="12700" cmpd="sng" cap="flat">
             <a:noFill/>
             <a:prstDash val="solid"/>
-            <a:miter/>
+            <a:round/>
           </a:ln>
         </p:spPr>
         <p:txBody>
@@ -2602,7 +3142,7 @@
       </p:sp>
       <p:sp>
         <p:nvSpPr>
-          <p:cNvPr id="16" name="文本框"/>
+          <p:cNvPr id="17" name="文本框"/>
           <p:cNvSpPr>
             <a:spLocks xmlns:a="http://schemas.openxmlformats.org/drawingml/2006/main" noGrp="1"/>
           </p:cNvSpPr>
@@ -2613,14 +3153,14 @@
         <p:spPr>
           <a:xfrm xmlns:a="http://schemas.openxmlformats.org/drawingml/2006/main" rot="0">
             <a:off x="8737600" y="6245225"/>
-            <a:ext cx="2844799" cy="476249"/>
+            <a:ext cx="2844797" cy="476249"/>
           </a:xfrm>
           <a:prstGeom xmlns:a="http://schemas.openxmlformats.org/drawingml/2006/main" prst="rect"/>
           <a:noFill xmlns:a="http://schemas.openxmlformats.org/drawingml/2006/main"/>
-          <a:ln xmlns:a="http://schemas.openxmlformats.org/drawingml/2006/main" cmpd="sng" cap="flat">
+          <a:ln xmlns:a="http://schemas.openxmlformats.org/drawingml/2006/main" w="12700" cmpd="sng" cap="flat">
             <a:noFill/>
             <a:prstDash val="solid"/>
-            <a:miter/>
+            <a:round/>
           </a:ln>
         </p:spPr>
         <p:txBody>
@@ -2652,7 +3192,7 @@
     </p:spTree>
     <p:extLst>
       <p:ext uri="{BB962C8B-B14F-4D97-AF65-F5344CB8AC3E}">
-        <p14:creationId xmlns:p14="http://schemas.microsoft.com/office/powerpoint/2010/main" val="534751500"/>
+        <p14:creationId xmlns:p14="http://schemas.microsoft.com/office/powerpoint/2010/main" val="326081794"/>
       </p:ext>
     </p:extLst>
   </p:cSld>
@@ -2822,7 +3362,7 @@
     </p:spTree>
     <p:extLst>
       <p:ext uri="{BB962C8B-B14F-4D97-AF65-F5344CB8AC3E}">
-        <p14:creationId xmlns:p14="http://schemas.microsoft.com/office/powerpoint/2010/main" val="1495345352"/>
+        <p14:creationId xmlns:p14="http://schemas.microsoft.com/office/powerpoint/2010/main" val="1481933624"/>
       </p:ext>
     </p:extLst>
   </p:cSld>
@@ -3014,7 +3554,7 @@
     </p:spTree>
     <p:extLst>
       <p:ext uri="{BB962C8B-B14F-4D97-AF65-F5344CB8AC3E}">
-        <p14:creationId xmlns:p14="http://schemas.microsoft.com/office/powerpoint/2010/main" val="735314198"/>
+        <p14:creationId xmlns:p14="http://schemas.microsoft.com/office/powerpoint/2010/main" val="717240780"/>
       </p:ext>
     </p:extLst>
   </p:cSld>
@@ -3302,7 +3842,7 @@
     </p:spTree>
     <p:extLst>
       <p:ext uri="{BB962C8B-B14F-4D97-AF65-F5344CB8AC3E}">
-        <p14:creationId xmlns:p14="http://schemas.microsoft.com/office/powerpoint/2010/main" val="936456075"/>
+        <p14:creationId xmlns:p14="http://schemas.microsoft.com/office/powerpoint/2010/main" val="333212350"/>
       </p:ext>
     </p:extLst>
   </p:cSld>
@@ -3724,7 +4264,7 @@
     </p:spTree>
     <p:extLst>
       <p:ext uri="{BB962C8B-B14F-4D97-AF65-F5344CB8AC3E}">
-        <p14:creationId xmlns:p14="http://schemas.microsoft.com/office/powerpoint/2010/main" val="492127374"/>
+        <p14:creationId xmlns:p14="http://schemas.microsoft.com/office/powerpoint/2010/main" val="1646860121"/>
       </p:ext>
     </p:extLst>
   </p:cSld>
@@ -3842,7 +4382,7 @@
     </p:spTree>
     <p:extLst>
       <p:ext uri="{BB962C8B-B14F-4D97-AF65-F5344CB8AC3E}">
-        <p14:creationId xmlns:p14="http://schemas.microsoft.com/office/powerpoint/2010/main" val="1191135166"/>
+        <p14:creationId xmlns:p14="http://schemas.microsoft.com/office/powerpoint/2010/main" val="1654369346"/>
       </p:ext>
     </p:extLst>
   </p:cSld>
@@ -3937,7 +4477,7 @@
     </p:spTree>
     <p:extLst>
       <p:ext uri="{BB962C8B-B14F-4D97-AF65-F5344CB8AC3E}">
-        <p14:creationId xmlns:p14="http://schemas.microsoft.com/office/powerpoint/2010/main" val="447485908"/>
+        <p14:creationId xmlns:p14="http://schemas.microsoft.com/office/powerpoint/2010/main" val="873488101"/>
       </p:ext>
     </p:extLst>
   </p:cSld>
@@ -4214,7 +4754,7 @@
     </p:spTree>
     <p:extLst>
       <p:ext uri="{BB962C8B-B14F-4D97-AF65-F5344CB8AC3E}">
-        <p14:creationId xmlns:p14="http://schemas.microsoft.com/office/powerpoint/2010/main" val="1536102828"/>
+        <p14:creationId xmlns:p14="http://schemas.microsoft.com/office/powerpoint/2010/main" val="264368256"/>
       </p:ext>
     </p:extLst>
   </p:cSld>
@@ -4467,7 +5007,7 @@
     </p:spTree>
     <p:extLst>
       <p:ext uri="{BB962C8B-B14F-4D97-AF65-F5344CB8AC3E}">
-        <p14:creationId xmlns:p14="http://schemas.microsoft.com/office/powerpoint/2010/main" val="275387694"/>
+        <p14:creationId xmlns:p14="http://schemas.microsoft.com/office/powerpoint/2010/main" val="758999073"/>
       </p:ext>
     </p:extLst>
   </p:cSld>
@@ -4670,7 +5210,7 @@
                 <a:ea typeface="SimSun" pitchFamily="0" charset="0"/>
                 <a:cs typeface="Arial" pitchFamily="0" charset="0"/>
               </a:rPr>
-              <a:t>8/30/2025</a:t>
+              <a:t>9/1/2025</a:t>
             </a:fld>
             <a:endParaRPr lang="zh-CN" altLang="en-US" sz="1400">
               <a:latin typeface="Arial" pitchFamily="0" charset="0"/>
@@ -4731,7 +5271,7 @@
         <p:spPr>
           <a:xfrm rot="0">
             <a:off x="8737600" y="6245225"/>
-            <a:ext cx="2844799" cy="476249"/>
+            <a:ext cx="2844797" cy="476249"/>
           </a:xfrm>
           <a:prstGeom prst="rect"/>
           <a:noFill/>
@@ -4770,7 +5310,7 @@
     </p:spTree>
     <p:extLst>
       <p:ext uri="{BB962C8B-B14F-4D97-AF65-F5344CB8AC3E}">
-        <p14:creationId xmlns:p14="http://schemas.microsoft.com/office/powerpoint/2010/main" val="744781828"/>
+        <p14:creationId xmlns:p14="http://schemas.microsoft.com/office/powerpoint/2010/main" val="357174939"/>
       </p:ext>
     </p:extLst>
   </p:cSld>
@@ -4976,6 +5516,13 @@
 <file path=ppt/slides/slide1.xml><?xml version="1.0" encoding="utf-8"?>
 <p:sld xmlns:p="http://schemas.openxmlformats.org/presentationml/2006/main" xmlns:r="http://schemas.openxmlformats.org/officeDocument/2006/relationships" xmlns:a="http://schemas.openxmlformats.org/drawingml/2006/main">
   <p:cSld>
+    <p:bg>
+      <p:bgPr>
+        <a:solidFill>
+          <a:schemeClr val="bg1"/>
+        </a:solidFill>
+      </p:bgPr>
+    </p:bg>
     <p:spTree>
       <p:nvGrpSpPr>
         <p:cNvPr id="1" name=""/>
@@ -5238,6 +5785,17 @@
               </a:rPr>
               <a:t>7C3690953C809739D8F4EB6B21A0</a:t>
             </a:r>
+            <a:r>
+              <a:rPr lang="en-US" altLang="zh-CN" sz="2800" b="0" i="0" u="none" strike="noStrike" kern="1200" cap="none" spc="0" baseline="0">
+                <a:solidFill>
+                  <a:srgbClr val="404040"/>
+                </a:solidFill>
+                <a:latin typeface="quote-cjk-patch" pitchFamily="0" charset="0"/>
+                <a:ea typeface="quote-cjk-patch" pitchFamily="0" charset="0"/>
+                <a:cs typeface="Arial" pitchFamily="0" charset="0"/>
+              </a:rPr>
+              <a:t>2914</a:t>
+            </a:r>
             <a:endParaRPr lang="en-US" altLang="zh-CN" sz="2800" b="0" i="0" u="none" strike="noStrike" kern="1200" cap="none" spc="0" baseline="0">
               <a:solidFill>
                 <a:srgbClr val="404040"/>
@@ -5362,7 +5920,7 @@
     </p:spTree>
     <p:extLst>
       <p:ext uri="{BB962C8B-B14F-4D97-AF65-F5344CB8AC3E}">
-        <p14:creationId xmlns:p14="http://schemas.microsoft.com/office/powerpoint/2010/main" val="1086198682"/>
+        <p14:creationId xmlns:p14="http://schemas.microsoft.com/office/powerpoint/2010/main" val="1936687677"/>
       </p:ext>
     </p:extLst>
   </p:cSld>
@@ -5398,7 +5956,7 @@
       </p:grpSpPr>
       <p:sp>
         <p:nvSpPr>
-          <p:cNvPr id="27" name="矩形"/>
+          <p:cNvPr id="45" name="矩形"/>
           <p:cNvSpPr>
             <a:spLocks/>
           </p:cNvSpPr>
@@ -5618,7 +6176,7 @@
     </p:spTree>
     <p:extLst>
       <p:ext uri="{BB962C8B-B14F-4D97-AF65-F5344CB8AC3E}">
-        <p14:creationId xmlns:p14="http://schemas.microsoft.com/office/powerpoint/2010/main" val="408305973"/>
+        <p14:creationId xmlns:p14="http://schemas.microsoft.com/office/powerpoint/2010/main" val="747703495"/>
       </p:ext>
     </p:extLst>
   </p:cSld>
@@ -5655,7 +6213,7 @@
       </p:grpSpPr>
       <p:pic>
         <p:nvPicPr>
-          <p:cNvPr id="30" name="图片"/>
+          <p:cNvPr id="48" name="图片"/>
           <p:cNvPicPr>
             <a:picLocks noChangeAspect="1"/>
           </p:cNvPicPr>
@@ -5670,7 +6228,7 @@
         <p:spPr>
           <a:xfrm rot="0">
             <a:off x="2190716" y="1409678"/>
-            <a:ext cx="7810381" cy="4038538"/>
+            <a:ext cx="7810382" cy="4038536"/>
           </a:xfrm>
           <a:prstGeom prst="rect"/>
           <a:noFill/>
@@ -5684,7 +6242,7 @@
     </p:spTree>
     <p:extLst>
       <p:ext uri="{BB962C8B-B14F-4D97-AF65-F5344CB8AC3E}">
-        <p14:creationId xmlns:p14="http://schemas.microsoft.com/office/powerpoint/2010/main" val="1638872918"/>
+        <p14:creationId xmlns:p14="http://schemas.microsoft.com/office/powerpoint/2010/main" val="771976120"/>
       </p:ext>
     </p:extLst>
   </p:cSld>
@@ -5720,7 +6278,7 @@
       </p:grpSpPr>
       <p:sp>
         <p:nvSpPr>
-          <p:cNvPr id="29" name="矩形"/>
+          <p:cNvPr id="51" name="矩形"/>
           <p:cNvSpPr>
             <a:spLocks/>
           </p:cNvSpPr>
@@ -5728,8 +6286,8 @@
         </p:nvSpPr>
         <p:spPr>
           <a:xfrm rot="0">
-            <a:off x="0" y="0"/>
-            <a:ext cx="11892915" cy="6777990"/>
+            <a:off x="3714693" y="2476462"/>
+            <a:ext cx="4762427" cy="624839"/>
           </a:xfrm>
           <a:prstGeom prst="rect"/>
           <a:noFill/>
@@ -5742,94 +6300,40 @@
         <p:txBody>
           <a:bodyPr vert="horz" wrap="square" lIns="91440" tIns="45720" rIns="91440" bIns="45720" anchor="t" anchorCtr="0">
             <a:prstTxWarp prst="textNoShape"/>
+            <a:spAutoFit/>
           </a:bodyPr>
           <a:lstStyle/>
           <a:p>
-            <a:pPr marL="0" indent="0" algn="ctr">
+            <a:pPr marL="0" indent="0" algn="l">
               <a:lnSpc>
                 <a:spcPct val="100000"/>
               </a:lnSpc>
               <a:spcBef>
-                <a:spcPts val="900"/>
-              </a:spcBef>
-              <a:spcAft>
-                <a:spcPts val="600"/>
+                <a:spcPts val="0"/>
+              </a:spcBef>
+              <a:spcAft>
+                <a:spcPts val="0"/>
               </a:spcAft>
               <a:buNone/>
             </a:pPr>
             <a:r>
-              <a:rPr lang="en-US" altLang="zh-CN" sz="4400" b="1" i="0" u="none" strike="noStrike" kern="1200" cap="none" spc="0" baseline="0">
+              <a:rPr lang="en-US" altLang="zh-CN" sz="1800" b="0" i="0" u="none" strike="noStrike" kern="1200" cap="none" spc="0" baseline="0">
                 <a:solidFill>
-                  <a:srgbClr val="404040"/>
+                  <a:schemeClr val="tx1"/>
                 </a:solidFill>
-                <a:latin typeface="quote-cjk-patch" pitchFamily="0" charset="0"/>
-                <a:ea typeface="quote-cjk-patch" pitchFamily="0" charset="0"/>
-                <a:cs typeface="Arial" pitchFamily="0" charset="0"/>
+                <a:latin typeface="Droid Sans" pitchFamily="0" charset="0"/>
+                <a:ea typeface="宋体" pitchFamily="0" charset="0"/>
+                <a:cs typeface="Lucida Sans" pitchFamily="0" charset="0"/>
               </a:rPr>
-              <a:t>Conclusion</a:t>
-            </a:r>
-            <a:endParaRPr lang="en-US" altLang="zh-CN" sz="4400" b="1" i="0" u="none" strike="noStrike" kern="1200" cap="none" spc="0" baseline="0">
-              <a:solidFill>
-                <a:srgbClr val="404040"/>
-              </a:solidFill>
-              <a:latin typeface="quote-cjk-patch" pitchFamily="0" charset="0"/>
-              <a:ea typeface="quote-cjk-patch" pitchFamily="0" charset="0"/>
-              <a:cs typeface="Arial" pitchFamily="0" charset="0"/>
-            </a:endParaRPr>
-          </a:p>
-          <a:p>
-            <a:pPr marL="0" indent="0" algn="ctr">
-              <a:lnSpc>
-                <a:spcPct val="100000"/>
-              </a:lnSpc>
-              <a:spcBef>
-                <a:spcPts val="900"/>
-              </a:spcBef>
-              <a:spcAft>
-                <a:spcPts val="600"/>
-              </a:spcAft>
-              <a:buNone/>
-            </a:pPr>
-            <a:endParaRPr lang="en-US" altLang="zh-CN" sz="1800" b="1" i="0" u="none" strike="noStrike" kern="1200" cap="none" spc="0" baseline="0">
-              <a:solidFill>
-                <a:srgbClr val="404040"/>
-              </a:solidFill>
-              <a:latin typeface="quote-cjk-patch" pitchFamily="0" charset="0"/>
-              <a:ea typeface="quote-cjk-patch" pitchFamily="0" charset="0"/>
-              <a:cs typeface="Arial" pitchFamily="0" charset="0"/>
-            </a:endParaRPr>
-          </a:p>
-          <a:p>
-            <a:pPr marL="0" indent="0" algn="l">
-              <a:lnSpc>
-                <a:spcPct val="100000"/>
-              </a:lnSpc>
-              <a:spcBef>
-                <a:spcPts val="600"/>
-              </a:spcBef>
-              <a:spcAft>
-                <a:spcPts val="600"/>
-              </a:spcAft>
-              <a:buNone/>
-            </a:pPr>
-            <a:r>
-              <a:rPr lang="en-US" altLang="zh-CN" sz="2800" b="0" i="0" u="none" strike="noStrike" kern="1200" cap="none" spc="0" baseline="0">
-                <a:solidFill>
-                  <a:srgbClr val="404040"/>
-                </a:solidFill>
-                <a:latin typeface="quote-cjk-patch" pitchFamily="0" charset="0"/>
-                <a:ea typeface="quote-cjk-patch" pitchFamily="0" charset="0"/>
-                <a:cs typeface="Arial" pitchFamily="0" charset="0"/>
-              </a:rPr>
-              <a:t>The "Smart Digital Portfolio" project successfully addresses the modern need for a dynamic and insightful professional presentation. By integrating traditional portfolio elements with powerful analytics and a personalized recommendation system, it empowers students to not only display their past achievements but also strategically plan their future skill development. This platform bridges the gap between students and opportunities effectively.</a:t>
-            </a:r>
-            <a:endParaRPr lang="zh-CN" altLang="en-US" sz="2800" b="0" i="0" u="none" strike="noStrike" kern="1200" cap="none" spc="0" baseline="0">
-              <a:solidFill>
-                <a:srgbClr val="404040"/>
-              </a:solidFill>
-              <a:latin typeface="quote-cjk-patch" pitchFamily="0" charset="0"/>
-              <a:ea typeface="quote-cjk-patch" pitchFamily="0" charset="0"/>
-              <a:cs typeface="Arial" pitchFamily="0" charset="0"/>
+              <a:t>https://github.com/monikamo1593-max/Monika-TNSDC-FWD-DP.git</a:t>
+            </a:r>
+            <a:endParaRPr lang="zh-CN" altLang="en-US" sz="1800" b="0" i="0" u="none" strike="noStrike" kern="1200" cap="none" spc="0" baseline="0">
+              <a:solidFill>
+                <a:schemeClr val="tx1"/>
+              </a:solidFill>
+              <a:latin typeface="Droid Sans" pitchFamily="0" charset="0"/>
+              <a:ea typeface="宋体" pitchFamily="0" charset="0"/>
+              <a:cs typeface="Lucida Sans" pitchFamily="0" charset="0"/>
             </a:endParaRPr>
           </a:p>
         </p:txBody>
@@ -5837,7 +6341,72 @@
     </p:spTree>
     <p:extLst>
       <p:ext uri="{BB962C8B-B14F-4D97-AF65-F5344CB8AC3E}">
-        <p14:creationId xmlns:p14="http://schemas.microsoft.com/office/powerpoint/2010/main" val="1017015140"/>
+        <p14:creationId xmlns:p14="http://schemas.microsoft.com/office/powerpoint/2010/main" val="1436941535"/>
+      </p:ext>
+    </p:extLst>
+  </p:cSld>
+  <p:clrMapOvr>
+    <a:masterClrMapping/>
+  </p:clrMapOvr>
+</p:sld>
+</file>
+
+<file path=ppt/slides/slide13.xml><?xml version="1.0" encoding="utf-8"?>
+<p:sld xmlns:p="http://schemas.openxmlformats.org/presentationml/2006/main" xmlns:r="http://schemas.openxmlformats.org/officeDocument/2006/relationships" xmlns:a="http://schemas.openxmlformats.org/drawingml/2006/main">
+  <p:cSld>
+    <p:bg>
+      <p:bgPr>
+        <a:solidFill>
+          <a:schemeClr val="bg1"/>
+        </a:solidFill>
+      </p:bgPr>
+    </p:bg>
+    <p:spTree>
+      <p:nvGrpSpPr>
+        <p:cNvPr id="1" name=""/>
+        <p:cNvGrpSpPr/>
+        <p:nvPr/>
+      </p:nvGrpSpPr>
+      <p:grpSpPr>
+        <a:xfrm>
+          <a:off x="0" y="0"/>
+          <a:ext cx="0" cy="0"/>
+          <a:chOff x="0" y="0"/>
+          <a:chExt cx="0" cy="0"/>
+        </a:xfrm>
+      </p:grpSpPr>
+      <p:pic>
+        <p:nvPicPr>
+          <p:cNvPr id="54" name="图片"/>
+          <p:cNvPicPr>
+            <a:picLocks noChangeAspect="1"/>
+          </p:cNvPicPr>
+          <p:nvPr/>
+        </p:nvPicPr>
+        <p:blipFill>
+          <a:blip r:embed="rId1" cstate="print"/>
+          <a:stretch>
+            <a:fillRect/>
+          </a:stretch>
+        </p:blipFill>
+        <p:spPr>
+          <a:xfrm rot="0">
+            <a:off x="4029013" y="371468"/>
+            <a:ext cx="4097804" cy="6286403"/>
+          </a:xfrm>
+          <a:prstGeom prst="rect"/>
+          <a:noFill/>
+          <a:ln w="12700" cmpd="sng" cap="flat">
+            <a:noFill/>
+            <a:prstDash val="solid"/>
+            <a:miter/>
+          </a:ln>
+        </p:spPr>
+      </p:pic>
+    </p:spTree>
+    <p:extLst>
+      <p:ext uri="{BB962C8B-B14F-4D97-AF65-F5344CB8AC3E}">
+        <p14:creationId xmlns:p14="http://schemas.microsoft.com/office/powerpoint/2010/main" val="761235803"/>
       </p:ext>
     </p:extLst>
   </p:cSld>
@@ -5873,7 +6442,7 @@
       </p:grpSpPr>
       <p:sp>
         <p:nvSpPr>
-          <p:cNvPr id="19" name="矩形"/>
+          <p:cNvPr id="21" name="矩形"/>
           <p:cNvSpPr>
             <a:spLocks/>
           </p:cNvSpPr>
@@ -5882,7 +6451,7 @@
         <p:spPr>
           <a:xfrm rot="0">
             <a:off x="337820" y="234950"/>
-            <a:ext cx="10503535" cy="5248274"/>
+            <a:ext cx="10503535" cy="5248273"/>
           </a:xfrm>
           <a:prstGeom prst="rect"/>
           <a:noFill/>
@@ -5990,7 +6559,7 @@
     </p:spTree>
     <p:extLst>
       <p:ext uri="{BB962C8B-B14F-4D97-AF65-F5344CB8AC3E}">
-        <p14:creationId xmlns:p14="http://schemas.microsoft.com/office/powerpoint/2010/main" val="1224383557"/>
+        <p14:creationId xmlns:p14="http://schemas.microsoft.com/office/powerpoint/2010/main" val="650210757"/>
       </p:ext>
     </p:extLst>
   </p:cSld>
@@ -6026,7 +6595,7 @@
       </p:grpSpPr>
       <p:sp>
         <p:nvSpPr>
-          <p:cNvPr id="20" name="矩形"/>
+          <p:cNvPr id="24" name="矩形"/>
           <p:cNvSpPr>
             <a:spLocks/>
           </p:cNvSpPr>
@@ -6897,7 +7466,7 @@
     </p:spTree>
     <p:extLst>
       <p:ext uri="{BB962C8B-B14F-4D97-AF65-F5344CB8AC3E}">
-        <p14:creationId xmlns:p14="http://schemas.microsoft.com/office/powerpoint/2010/main" val="1273707250"/>
+        <p14:creationId xmlns:p14="http://schemas.microsoft.com/office/powerpoint/2010/main" val="1034117579"/>
       </p:ext>
     </p:extLst>
   </p:cSld>
@@ -6933,7 +7502,7 @@
       </p:grpSpPr>
       <p:sp>
         <p:nvSpPr>
-          <p:cNvPr id="21" name="矩形"/>
+          <p:cNvPr id="27" name="矩形"/>
           <p:cNvSpPr>
             <a:spLocks/>
           </p:cNvSpPr>
@@ -7222,7 +7791,7 @@
     </p:spTree>
     <p:extLst>
       <p:ext uri="{BB962C8B-B14F-4D97-AF65-F5344CB8AC3E}">
-        <p14:creationId xmlns:p14="http://schemas.microsoft.com/office/powerpoint/2010/main" val="297426509"/>
+        <p14:creationId xmlns:p14="http://schemas.microsoft.com/office/powerpoint/2010/main" val="1815667714"/>
       </p:ext>
     </p:extLst>
   </p:cSld>
@@ -7258,7 +7827,7 @@
       </p:grpSpPr>
       <p:sp>
         <p:nvSpPr>
-          <p:cNvPr id="22" name="矩形"/>
+          <p:cNvPr id="30" name="矩形"/>
           <p:cNvSpPr>
             <a:spLocks/>
           </p:cNvSpPr>
@@ -7375,7 +7944,7 @@
     </p:spTree>
     <p:extLst>
       <p:ext uri="{BB962C8B-B14F-4D97-AF65-F5344CB8AC3E}">
-        <p14:creationId xmlns:p14="http://schemas.microsoft.com/office/powerpoint/2010/main" val="1511210906"/>
+        <p14:creationId xmlns:p14="http://schemas.microsoft.com/office/powerpoint/2010/main" val="1172816869"/>
       </p:ext>
     </p:extLst>
   </p:cSld>
@@ -7411,7 +7980,7 @@
       </p:grpSpPr>
       <p:sp>
         <p:nvSpPr>
-          <p:cNvPr id="23" name="矩形"/>
+          <p:cNvPr id="33" name="矩形"/>
           <p:cNvSpPr>
             <a:spLocks/>
           </p:cNvSpPr>
@@ -7643,7 +8212,7 @@
     </p:spTree>
     <p:extLst>
       <p:ext uri="{BB962C8B-B14F-4D97-AF65-F5344CB8AC3E}">
-        <p14:creationId xmlns:p14="http://schemas.microsoft.com/office/powerpoint/2010/main" val="1983435407"/>
+        <p14:creationId xmlns:p14="http://schemas.microsoft.com/office/powerpoint/2010/main" val="1962242235"/>
       </p:ext>
     </p:extLst>
   </p:cSld>
@@ -7679,7 +8248,7 @@
       </p:grpSpPr>
       <p:sp>
         <p:nvSpPr>
-          <p:cNvPr id="24" name="矩形"/>
+          <p:cNvPr id="36" name="矩形"/>
           <p:cNvSpPr>
             <a:spLocks/>
           </p:cNvSpPr>
@@ -7967,7 +8536,7 @@
     </p:spTree>
     <p:extLst>
       <p:ext uri="{BB962C8B-B14F-4D97-AF65-F5344CB8AC3E}">
-        <p14:creationId xmlns:p14="http://schemas.microsoft.com/office/powerpoint/2010/main" val="1374973421"/>
+        <p14:creationId xmlns:p14="http://schemas.microsoft.com/office/powerpoint/2010/main" val="910990415"/>
       </p:ext>
     </p:extLst>
   </p:cSld>
@@ -8003,7 +8572,7 @@
       </p:grpSpPr>
       <p:sp>
         <p:nvSpPr>
-          <p:cNvPr id="25" name="矩形"/>
+          <p:cNvPr id="39" name="矩形"/>
           <p:cNvSpPr>
             <a:spLocks/>
           </p:cNvSpPr>
@@ -8382,7 +8951,7 @@
     </p:spTree>
     <p:extLst>
       <p:ext uri="{BB962C8B-B14F-4D97-AF65-F5344CB8AC3E}">
-        <p14:creationId xmlns:p14="http://schemas.microsoft.com/office/powerpoint/2010/main" val="558192246"/>
+        <p14:creationId xmlns:p14="http://schemas.microsoft.com/office/powerpoint/2010/main" val="1432009971"/>
       </p:ext>
     </p:extLst>
   </p:cSld>
@@ -8418,7 +8987,7 @@
       </p:grpSpPr>
       <p:sp>
         <p:nvSpPr>
-          <p:cNvPr id="26" name="矩形"/>
+          <p:cNvPr id="42" name="矩形"/>
           <p:cNvSpPr>
             <a:spLocks/>
           </p:cNvSpPr>
@@ -8706,7 +9275,7 @@
     </p:spTree>
     <p:extLst>
       <p:ext uri="{BB962C8B-B14F-4D97-AF65-F5344CB8AC3E}">
-        <p14:creationId xmlns:p14="http://schemas.microsoft.com/office/powerpoint/2010/main" val="1060688306"/>
+        <p14:creationId xmlns:p14="http://schemas.microsoft.com/office/powerpoint/2010/main" val="121465713"/>
       </p:ext>
     </p:extLst>
   </p:cSld>
